--- a/programmingWindows_3.pptx
+++ b/programmingWindows_3.pptx
@@ -6,7 +6,7 @@
     <p:sldMasterId id="2147483684" r:id="rId2"/>
   </p:sldMasterIdLst>
   <p:notesMasterIdLst>
-    <p:notesMasterId r:id="rId83"/>
+    <p:notesMasterId r:id="rId84"/>
   </p:notesMasterIdLst>
   <p:sldIdLst>
     <p:sldId id="256" r:id="rId3"/>
@@ -39,56 +39,57 @@
     <p:sldId id="403" r:id="rId30"/>
     <p:sldId id="404" r:id="rId31"/>
     <p:sldId id="405" r:id="rId32"/>
-    <p:sldId id="406" r:id="rId33"/>
-    <p:sldId id="407" r:id="rId34"/>
-    <p:sldId id="408" r:id="rId35"/>
-    <p:sldId id="409" r:id="rId36"/>
-    <p:sldId id="410" r:id="rId37"/>
-    <p:sldId id="411" r:id="rId38"/>
-    <p:sldId id="412" r:id="rId39"/>
-    <p:sldId id="413" r:id="rId40"/>
-    <p:sldId id="414" r:id="rId41"/>
-    <p:sldId id="415" r:id="rId42"/>
-    <p:sldId id="416" r:id="rId43"/>
-    <p:sldId id="417" r:id="rId44"/>
-    <p:sldId id="418" r:id="rId45"/>
-    <p:sldId id="419" r:id="rId46"/>
-    <p:sldId id="420" r:id="rId47"/>
-    <p:sldId id="421" r:id="rId48"/>
-    <p:sldId id="422" r:id="rId49"/>
-    <p:sldId id="423" r:id="rId50"/>
-    <p:sldId id="424" r:id="rId51"/>
-    <p:sldId id="425" r:id="rId52"/>
-    <p:sldId id="426" r:id="rId53"/>
-    <p:sldId id="427" r:id="rId54"/>
-    <p:sldId id="428" r:id="rId55"/>
-    <p:sldId id="429" r:id="rId56"/>
-    <p:sldId id="430" r:id="rId57"/>
-    <p:sldId id="431" r:id="rId58"/>
-    <p:sldId id="432" r:id="rId59"/>
-    <p:sldId id="433" r:id="rId60"/>
-    <p:sldId id="434" r:id="rId61"/>
-    <p:sldId id="435" r:id="rId62"/>
-    <p:sldId id="436" r:id="rId63"/>
-    <p:sldId id="437" r:id="rId64"/>
-    <p:sldId id="438" r:id="rId65"/>
-    <p:sldId id="439" r:id="rId66"/>
-    <p:sldId id="440" r:id="rId67"/>
-    <p:sldId id="441" r:id="rId68"/>
-    <p:sldId id="442" r:id="rId69"/>
-    <p:sldId id="443" r:id="rId70"/>
-    <p:sldId id="444" r:id="rId71"/>
-    <p:sldId id="445" r:id="rId72"/>
-    <p:sldId id="446" r:id="rId73"/>
-    <p:sldId id="447" r:id="rId74"/>
-    <p:sldId id="448" r:id="rId75"/>
-    <p:sldId id="449" r:id="rId76"/>
-    <p:sldId id="450" r:id="rId77"/>
-    <p:sldId id="451" r:id="rId78"/>
-    <p:sldId id="452" r:id="rId79"/>
-    <p:sldId id="453" r:id="rId80"/>
-    <p:sldId id="454" r:id="rId81"/>
-    <p:sldId id="455" r:id="rId82"/>
+    <p:sldId id="456" r:id="rId33"/>
+    <p:sldId id="406" r:id="rId34"/>
+    <p:sldId id="407" r:id="rId35"/>
+    <p:sldId id="408" r:id="rId36"/>
+    <p:sldId id="409" r:id="rId37"/>
+    <p:sldId id="410" r:id="rId38"/>
+    <p:sldId id="411" r:id="rId39"/>
+    <p:sldId id="412" r:id="rId40"/>
+    <p:sldId id="413" r:id="rId41"/>
+    <p:sldId id="414" r:id="rId42"/>
+    <p:sldId id="415" r:id="rId43"/>
+    <p:sldId id="416" r:id="rId44"/>
+    <p:sldId id="417" r:id="rId45"/>
+    <p:sldId id="418" r:id="rId46"/>
+    <p:sldId id="419" r:id="rId47"/>
+    <p:sldId id="420" r:id="rId48"/>
+    <p:sldId id="421" r:id="rId49"/>
+    <p:sldId id="422" r:id="rId50"/>
+    <p:sldId id="423" r:id="rId51"/>
+    <p:sldId id="424" r:id="rId52"/>
+    <p:sldId id="425" r:id="rId53"/>
+    <p:sldId id="426" r:id="rId54"/>
+    <p:sldId id="427" r:id="rId55"/>
+    <p:sldId id="428" r:id="rId56"/>
+    <p:sldId id="429" r:id="rId57"/>
+    <p:sldId id="430" r:id="rId58"/>
+    <p:sldId id="431" r:id="rId59"/>
+    <p:sldId id="432" r:id="rId60"/>
+    <p:sldId id="433" r:id="rId61"/>
+    <p:sldId id="434" r:id="rId62"/>
+    <p:sldId id="435" r:id="rId63"/>
+    <p:sldId id="436" r:id="rId64"/>
+    <p:sldId id="437" r:id="rId65"/>
+    <p:sldId id="438" r:id="rId66"/>
+    <p:sldId id="439" r:id="rId67"/>
+    <p:sldId id="440" r:id="rId68"/>
+    <p:sldId id="441" r:id="rId69"/>
+    <p:sldId id="442" r:id="rId70"/>
+    <p:sldId id="443" r:id="rId71"/>
+    <p:sldId id="444" r:id="rId72"/>
+    <p:sldId id="445" r:id="rId73"/>
+    <p:sldId id="446" r:id="rId74"/>
+    <p:sldId id="447" r:id="rId75"/>
+    <p:sldId id="448" r:id="rId76"/>
+    <p:sldId id="449" r:id="rId77"/>
+    <p:sldId id="450" r:id="rId78"/>
+    <p:sldId id="451" r:id="rId79"/>
+    <p:sldId id="452" r:id="rId80"/>
+    <p:sldId id="453" r:id="rId81"/>
+    <p:sldId id="454" r:id="rId82"/>
+    <p:sldId id="455" r:id="rId83"/>
   </p:sldIdLst>
   <p:sldSz cx="12192000" cy="6858000"/>
   <p:notesSz cx="6858000" cy="9144000"/>
@@ -4820,7 +4821,7 @@
           <a:p>
             <a:fld id="{FF6B7014-1CA7-42FF-9E69-87C27AE33F47}" type="slidenum">
               <a:rPr lang="zh-CN" altLang="en-US" smtClean="0"/>
-              <a:t>66</a:t>
+              <a:t>67</a:t>
             </a:fld>
             <a:endParaRPr lang="zh-CN" altLang="en-US"/>
           </a:p>
@@ -17978,6 +17979,427 @@
           <a:chExt cx="0" cy="0"/>
         </a:xfrm>
       </p:grpSpPr>
+      <p:sp>
+        <p:nvSpPr>
+          <p:cNvPr id="18435" name="Rectangle 2"/>
+          <p:cNvSpPr>
+            <a:spLocks noGrp="1" noChangeArrowheads="1"/>
+          </p:cNvSpPr>
+          <p:nvPr>
+            <p:ph type="title" idx="4294967295"/>
+          </p:nvPr>
+        </p:nvSpPr>
+        <p:spPr>
+          <a:xfrm>
+            <a:off x="3123524" y="409810"/>
+            <a:ext cx="7169543" cy="715962"/>
+          </a:xfrm>
+        </p:spPr>
+        <p:txBody>
+          <a:bodyPr/>
+          <a:lstStyle/>
+          <a:p>
+            <a:pPr eaLnBrk="1" hangingPunct="1"/>
+            <a:r>
+              <a:rPr lang="en-US" altLang="zh-CN" sz="3600" dirty="0"/>
+              <a:t>C++</a:t>
+            </a:r>
+            <a:r>
+              <a:rPr lang="zh-CN" altLang="en-US" sz="3600" dirty="0"/>
+              <a:t>程序添加</a:t>
+            </a:r>
+            <a:r>
+              <a:rPr lang="en-US" altLang="zh-CN" sz="3600" dirty="0"/>
+              <a:t>word</a:t>
+            </a:r>
+            <a:r>
+              <a:rPr lang="zh-CN" altLang="en-US" sz="3600" dirty="0"/>
+              <a:t>对象引用</a:t>
+            </a:r>
+          </a:p>
+        </p:txBody>
+      </p:sp>
+      <p:pic>
+        <p:nvPicPr>
+          <p:cNvPr id="2" name="图片 1"/>
+          <p:cNvPicPr>
+            <a:picLocks noChangeAspect="1"/>
+          </p:cNvPicPr>
+          <p:nvPr/>
+        </p:nvPicPr>
+        <p:blipFill>
+          <a:blip r:embed="rId2">
+            <a:extLst>
+              <a:ext uri="{28A0092B-C50C-407E-A947-70E740481C1C}">
+                <a14:useLocalDpi xmlns:a14="http://schemas.microsoft.com/office/drawing/2010/main" val="0"/>
+              </a:ext>
+            </a:extLst>
+          </a:blip>
+          <a:stretch>
+            <a:fillRect/>
+          </a:stretch>
+        </p:blipFill>
+        <p:spPr>
+          <a:xfrm>
+            <a:off x="4159461" y="1291390"/>
+            <a:ext cx="6721708" cy="4651474"/>
+          </a:xfrm>
+          <a:prstGeom prst="rect">
+            <a:avLst/>
+          </a:prstGeom>
+        </p:spPr>
+      </p:pic>
+      <p:sp>
+        <p:nvSpPr>
+          <p:cNvPr id="5" name="文本框 4"/>
+          <p:cNvSpPr txBox="1"/>
+          <p:nvPr/>
+        </p:nvSpPr>
+        <p:spPr>
+          <a:xfrm>
+            <a:off x="115693" y="5465579"/>
+            <a:ext cx="3769896" cy="369332"/>
+          </a:xfrm>
+          <a:prstGeom prst="rect">
+            <a:avLst/>
+          </a:prstGeom>
+          <a:noFill/>
+        </p:spPr>
+        <p:txBody>
+          <a:bodyPr wrap="square" rtlCol="0">
+            <a:spAutoFit/>
+          </a:bodyPr>
+          <a:lstStyle/>
+          <a:p>
+            <a:r>
+              <a:rPr lang="zh-CN" altLang="en-US" sz="1800" dirty="0">
+                <a:solidFill>
+                  <a:srgbClr val="FF0000"/>
+                </a:solidFill>
+                <a:latin typeface="微软雅黑" panose="020B0503020204020204" pitchFamily="34" charset="-122"/>
+                <a:ea typeface="微软雅黑" panose="020B0503020204020204" pitchFamily="34" charset="-122"/>
+              </a:rPr>
+              <a:t>在网上查关于 </a:t>
+            </a:r>
+            <a:r>
+              <a:rPr lang="en-US" altLang="zh-CN" sz="1800" dirty="0">
+                <a:solidFill>
+                  <a:srgbClr val="FF0000"/>
+                </a:solidFill>
+                <a:latin typeface="微软雅黑" panose="020B0503020204020204" pitchFamily="34" charset="-122"/>
+                <a:ea typeface="微软雅黑" panose="020B0503020204020204" pitchFamily="34" charset="-122"/>
+              </a:rPr>
+              <a:t>C++/CLI </a:t>
+            </a:r>
+            <a:r>
+              <a:rPr lang="zh-CN" altLang="en-US" sz="1800" dirty="0">
+                <a:solidFill>
+                  <a:srgbClr val="FF0000"/>
+                </a:solidFill>
+                <a:latin typeface="微软雅黑" panose="020B0503020204020204" pitchFamily="34" charset="-122"/>
+                <a:ea typeface="微软雅黑" panose="020B0503020204020204" pitchFamily="34" charset="-122"/>
+              </a:rPr>
+              <a:t>编程</a:t>
+            </a:r>
+          </a:p>
+        </p:txBody>
+      </p:sp>
+      <p:sp>
+        <p:nvSpPr>
+          <p:cNvPr id="4" name="矩形 3">
+            <a:extLst>
+              <a:ext uri="{FF2B5EF4-FFF2-40B4-BE49-F238E27FC236}">
+                <a16:creationId xmlns:a16="http://schemas.microsoft.com/office/drawing/2014/main" id="{17B7FE83-00D9-44F1-B92F-CF91BE729D55}"/>
+              </a:ext>
+            </a:extLst>
+          </p:cNvPr>
+          <p:cNvSpPr/>
+          <p:nvPr/>
+        </p:nvSpPr>
+        <p:spPr>
+          <a:xfrm>
+            <a:off x="115693" y="6108482"/>
+            <a:ext cx="12007516" cy="307777"/>
+          </a:xfrm>
+          <a:prstGeom prst="rect">
+            <a:avLst/>
+          </a:prstGeom>
+        </p:spPr>
+        <p:txBody>
+          <a:bodyPr wrap="square">
+            <a:spAutoFit/>
+          </a:bodyPr>
+          <a:lstStyle/>
+          <a:p>
+            <a:r>
+              <a:rPr lang="en-US" altLang="zh-CN" dirty="0">
+                <a:solidFill>
+                  <a:srgbClr val="7030A0"/>
+                </a:solidFill>
+              </a:rPr>
+              <a:t>https://docs.microsoft.com/en-us/cpp/dotnet/walkthrough-compiling-a-cpp-program-that-targets-the-clr-in-visual-studio?redirectedfrom=MSDN&amp;view=vs-2019</a:t>
+            </a:r>
+            <a:endParaRPr lang="zh-CN" altLang="en-US" dirty="0">
+              <a:solidFill>
+                <a:srgbClr val="7030A0"/>
+              </a:solidFill>
+            </a:endParaRPr>
+          </a:p>
+        </p:txBody>
+      </p:sp>
+    </p:spTree>
+    <p:extLst>
+      <p:ext uri="{BB962C8B-B14F-4D97-AF65-F5344CB8AC3E}">
+        <p14:creationId xmlns:p14="http://schemas.microsoft.com/office/powerpoint/2010/main" val="3773748791"/>
+      </p:ext>
+    </p:extLst>
+  </p:cSld>
+  <p:clrMapOvr>
+    <a:masterClrMapping/>
+  </p:clrMapOvr>
+  <p:timing>
+    <p:tnLst>
+      <p:par>
+        <p:cTn id="1" dur="indefinite" restart="never" nodeType="tmRoot">
+          <p:childTnLst>
+            <p:seq concurrent="1" nextAc="seek">
+              <p:cTn id="2" dur="indefinite" nodeType="mainSeq">
+                <p:childTnLst>
+                  <p:par>
+                    <p:cTn id="3" fill="hold">
+                      <p:stCondLst>
+                        <p:cond delay="indefinite"/>
+                      </p:stCondLst>
+                      <p:childTnLst>
+                        <p:par>
+                          <p:cTn id="4" fill="hold">
+                            <p:stCondLst>
+                              <p:cond delay="0"/>
+                            </p:stCondLst>
+                            <p:childTnLst>
+                              <p:par>
+                                <p:cTn id="5" presetID="2" presetClass="entr" presetSubtype="4" fill="hold" nodeType="clickEffect">
+                                  <p:stCondLst>
+                                    <p:cond delay="0"/>
+                                  </p:stCondLst>
+                                  <p:childTnLst>
+                                    <p:set>
+                                      <p:cBhvr>
+                                        <p:cTn id="6" dur="1" fill="hold">
+                                          <p:stCondLst>
+                                            <p:cond delay="0"/>
+                                          </p:stCondLst>
+                                        </p:cTn>
+                                        <p:tgtEl>
+                                          <p:spTgt spid="2"/>
+                                        </p:tgtEl>
+                                        <p:attrNameLst>
+                                          <p:attrName>style.visibility</p:attrName>
+                                        </p:attrNameLst>
+                                      </p:cBhvr>
+                                      <p:to>
+                                        <p:strVal val="visible"/>
+                                      </p:to>
+                                    </p:set>
+                                    <p:anim calcmode="lin" valueType="num">
+                                      <p:cBhvr additive="base">
+                                        <p:cTn id="7" dur="500" fill="hold"/>
+                                        <p:tgtEl>
+                                          <p:spTgt spid="2"/>
+                                        </p:tgtEl>
+                                        <p:attrNameLst>
+                                          <p:attrName>ppt_x</p:attrName>
+                                        </p:attrNameLst>
+                                      </p:cBhvr>
+                                      <p:tavLst>
+                                        <p:tav tm="0">
+                                          <p:val>
+                                            <p:strVal val="#ppt_x"/>
+                                          </p:val>
+                                        </p:tav>
+                                        <p:tav tm="100000">
+                                          <p:val>
+                                            <p:strVal val="#ppt_x"/>
+                                          </p:val>
+                                        </p:tav>
+                                      </p:tavLst>
+                                    </p:anim>
+                                    <p:anim calcmode="lin" valueType="num">
+                                      <p:cBhvr additive="base">
+                                        <p:cTn id="8" dur="500" fill="hold"/>
+                                        <p:tgtEl>
+                                          <p:spTgt spid="2"/>
+                                        </p:tgtEl>
+                                        <p:attrNameLst>
+                                          <p:attrName>ppt_y</p:attrName>
+                                        </p:attrNameLst>
+                                      </p:cBhvr>
+                                      <p:tavLst>
+                                        <p:tav tm="0">
+                                          <p:val>
+                                            <p:strVal val="1+#ppt_h/2"/>
+                                          </p:val>
+                                        </p:tav>
+                                        <p:tav tm="100000">
+                                          <p:val>
+                                            <p:strVal val="#ppt_y"/>
+                                          </p:val>
+                                        </p:tav>
+                                      </p:tavLst>
+                                    </p:anim>
+                                  </p:childTnLst>
+                                </p:cTn>
+                              </p:par>
+                            </p:childTnLst>
+                          </p:cTn>
+                        </p:par>
+                      </p:childTnLst>
+                    </p:cTn>
+                  </p:par>
+                  <p:par>
+                    <p:cTn id="9" fill="hold">
+                      <p:stCondLst>
+                        <p:cond delay="indefinite"/>
+                      </p:stCondLst>
+                      <p:childTnLst>
+                        <p:par>
+                          <p:cTn id="10" fill="hold">
+                            <p:stCondLst>
+                              <p:cond delay="0"/>
+                            </p:stCondLst>
+                            <p:childTnLst>
+                              <p:par>
+                                <p:cTn id="11" presetID="42" presetClass="entr" presetSubtype="0" fill="hold" grpId="0" nodeType="clickEffect">
+                                  <p:stCondLst>
+                                    <p:cond delay="0"/>
+                                  </p:stCondLst>
+                                  <p:childTnLst>
+                                    <p:set>
+                                      <p:cBhvr>
+                                        <p:cTn id="12" dur="1" fill="hold">
+                                          <p:stCondLst>
+                                            <p:cond delay="0"/>
+                                          </p:stCondLst>
+                                        </p:cTn>
+                                        <p:tgtEl>
+                                          <p:spTgt spid="5"/>
+                                        </p:tgtEl>
+                                        <p:attrNameLst>
+                                          <p:attrName>style.visibility</p:attrName>
+                                        </p:attrNameLst>
+                                      </p:cBhvr>
+                                      <p:to>
+                                        <p:strVal val="visible"/>
+                                      </p:to>
+                                    </p:set>
+                                    <p:animEffect transition="in" filter="fade">
+                                      <p:cBhvr>
+                                        <p:cTn id="13" dur="1000"/>
+                                        <p:tgtEl>
+                                          <p:spTgt spid="5"/>
+                                        </p:tgtEl>
+                                      </p:cBhvr>
+                                    </p:animEffect>
+                                    <p:anim calcmode="lin" valueType="num">
+                                      <p:cBhvr>
+                                        <p:cTn id="14" dur="1000" fill="hold"/>
+                                        <p:tgtEl>
+                                          <p:spTgt spid="5"/>
+                                        </p:tgtEl>
+                                        <p:attrNameLst>
+                                          <p:attrName>ppt_x</p:attrName>
+                                        </p:attrNameLst>
+                                      </p:cBhvr>
+                                      <p:tavLst>
+                                        <p:tav tm="0">
+                                          <p:val>
+                                            <p:strVal val="#ppt_x"/>
+                                          </p:val>
+                                        </p:tav>
+                                        <p:tav tm="100000">
+                                          <p:val>
+                                            <p:strVal val="#ppt_x"/>
+                                          </p:val>
+                                        </p:tav>
+                                      </p:tavLst>
+                                    </p:anim>
+                                    <p:anim calcmode="lin" valueType="num">
+                                      <p:cBhvr>
+                                        <p:cTn id="15" dur="1000" fill="hold"/>
+                                        <p:tgtEl>
+                                          <p:spTgt spid="5"/>
+                                        </p:tgtEl>
+                                        <p:attrNameLst>
+                                          <p:attrName>ppt_y</p:attrName>
+                                        </p:attrNameLst>
+                                      </p:cBhvr>
+                                      <p:tavLst>
+                                        <p:tav tm="0">
+                                          <p:val>
+                                            <p:strVal val="#ppt_y+.1"/>
+                                          </p:val>
+                                        </p:tav>
+                                        <p:tav tm="100000">
+                                          <p:val>
+                                            <p:strVal val="#ppt_y"/>
+                                          </p:val>
+                                        </p:tav>
+                                      </p:tavLst>
+                                    </p:anim>
+                                  </p:childTnLst>
+                                </p:cTn>
+                              </p:par>
+                            </p:childTnLst>
+                          </p:cTn>
+                        </p:par>
+                      </p:childTnLst>
+                    </p:cTn>
+                  </p:par>
+                </p:childTnLst>
+              </p:cTn>
+              <p:prevCondLst>
+                <p:cond evt="onPrev" delay="0">
+                  <p:tgtEl>
+                    <p:sldTgt/>
+                  </p:tgtEl>
+                </p:cond>
+              </p:prevCondLst>
+              <p:nextCondLst>
+                <p:cond evt="onNext" delay="0">
+                  <p:tgtEl>
+                    <p:sldTgt/>
+                  </p:tgtEl>
+                </p:cond>
+              </p:nextCondLst>
+            </p:seq>
+          </p:childTnLst>
+        </p:cTn>
+      </p:par>
+    </p:tnLst>
+    <p:bldLst>
+      <p:bldP spid="5" grpId="0"/>
+    </p:bldLst>
+  </p:timing>
+</p:sld>
+</file>
+
+<file path=ppt/slides/slide32.xml><?xml version="1.0" encoding="utf-8"?>
+<p:sld xmlns:a="http://schemas.openxmlformats.org/drawingml/2006/main" xmlns:r="http://schemas.openxmlformats.org/officeDocument/2006/relationships" xmlns:p="http://schemas.openxmlformats.org/presentationml/2006/main">
+  <p:cSld>
+    <p:spTree>
+      <p:nvGrpSpPr>
+        <p:cNvPr id="1" name=""/>
+        <p:cNvGrpSpPr/>
+        <p:nvPr/>
+      </p:nvGrpSpPr>
+      <p:grpSpPr>
+        <a:xfrm>
+          <a:off x="0" y="0"/>
+          <a:ext cx="0" cy="0"/>
+          <a:chOff x="0" y="0"/>
+          <a:chExt cx="0" cy="0"/>
+        </a:xfrm>
+      </p:grpSpPr>
       <p:pic>
         <p:nvPicPr>
           <p:cNvPr id="4" name="图片 3"/>
@@ -18015,7 +18437,7 @@
 </p:sld>
 </file>
 
-<file path=ppt/slides/slide32.xml><?xml version="1.0" encoding="utf-8"?>
+<file path=ppt/slides/slide33.xml><?xml version="1.0" encoding="utf-8"?>
 <p:sld xmlns:a="http://schemas.openxmlformats.org/drawingml/2006/main" xmlns:r="http://schemas.openxmlformats.org/officeDocument/2006/relationships" xmlns:p="http://schemas.openxmlformats.org/presentationml/2006/main">
   <p:cSld>
     <p:spTree>
@@ -18101,7 +18523,7 @@
 </p:sld>
 </file>
 
-<file path=ppt/slides/slide33.xml><?xml version="1.0" encoding="utf-8"?>
+<file path=ppt/slides/slide34.xml><?xml version="1.0" encoding="utf-8"?>
 <p:sld xmlns:a="http://schemas.openxmlformats.org/drawingml/2006/main" xmlns:r="http://schemas.openxmlformats.org/officeDocument/2006/relationships" xmlns:p="http://schemas.openxmlformats.org/presentationml/2006/main">
   <p:cSld>
     <p:spTree>
@@ -18454,7 +18876,7 @@
 </p:sld>
 </file>
 
-<file path=ppt/slides/slide34.xml><?xml version="1.0" encoding="utf-8"?>
+<file path=ppt/slides/slide35.xml><?xml version="1.0" encoding="utf-8"?>
 <p:sld xmlns:a="http://schemas.openxmlformats.org/drawingml/2006/main" xmlns:r="http://schemas.openxmlformats.org/officeDocument/2006/relationships" xmlns:p="http://schemas.openxmlformats.org/presentationml/2006/main">
   <p:cSld>
     <p:spTree>
@@ -19032,7 +19454,7 @@
 </p:sld>
 </file>
 
-<file path=ppt/slides/slide35.xml><?xml version="1.0" encoding="utf-8"?>
+<file path=ppt/slides/slide36.xml><?xml version="1.0" encoding="utf-8"?>
 <p:sld xmlns:a="http://schemas.openxmlformats.org/drawingml/2006/main" xmlns:r="http://schemas.openxmlformats.org/officeDocument/2006/relationships" xmlns:p="http://schemas.openxmlformats.org/presentationml/2006/main">
   <p:cSld>
     <p:spTree>
@@ -19745,7 +20167,7 @@
 </p:sld>
 </file>
 
-<file path=ppt/slides/slide36.xml><?xml version="1.0" encoding="utf-8"?>
+<file path=ppt/slides/slide37.xml><?xml version="1.0" encoding="utf-8"?>
 <p:sld xmlns:a="http://schemas.openxmlformats.org/drawingml/2006/main" xmlns:r="http://schemas.openxmlformats.org/officeDocument/2006/relationships" xmlns:p="http://schemas.openxmlformats.org/presentationml/2006/main">
   <p:cSld>
     <p:spTree>
@@ -19874,7 +20296,7 @@
 </p:sld>
 </file>
 
-<file path=ppt/slides/slide37.xml><?xml version="1.0" encoding="utf-8"?>
+<file path=ppt/slides/slide38.xml><?xml version="1.0" encoding="utf-8"?>
 <p:sld xmlns:a="http://schemas.openxmlformats.org/drawingml/2006/main" xmlns:r="http://schemas.openxmlformats.org/officeDocument/2006/relationships" xmlns:p="http://schemas.openxmlformats.org/presentationml/2006/main">
   <p:cSld>
     <p:spTree>
@@ -20398,7 +20820,7 @@
 </p:sld>
 </file>
 
-<file path=ppt/slides/slide38.xml><?xml version="1.0" encoding="utf-8"?>
+<file path=ppt/slides/slide39.xml><?xml version="1.0" encoding="utf-8"?>
 <p:sld xmlns:a="http://schemas.openxmlformats.org/drawingml/2006/main" xmlns:r="http://schemas.openxmlformats.org/officeDocument/2006/relationships" xmlns:p="http://schemas.openxmlformats.org/presentationml/2006/main">
   <p:cSld>
     <p:spTree>
@@ -20747,667 +21169,6 @@
     <p:extLst>
       <p:ext uri="{BB962C8B-B14F-4D97-AF65-F5344CB8AC3E}">
         <p14:creationId xmlns:p14="http://schemas.microsoft.com/office/powerpoint/2010/main" val="1213270165"/>
-      </p:ext>
-    </p:extLst>
-  </p:cSld>
-  <p:clrMapOvr>
-    <a:masterClrMapping/>
-  </p:clrMapOvr>
-</p:sld>
-</file>
-
-<file path=ppt/slides/slide39.xml><?xml version="1.0" encoding="utf-8"?>
-<p:sld xmlns:a="http://schemas.openxmlformats.org/drawingml/2006/main" xmlns:r="http://schemas.openxmlformats.org/officeDocument/2006/relationships" xmlns:p="http://schemas.openxmlformats.org/presentationml/2006/main">
-  <p:cSld>
-    <p:spTree>
-      <p:nvGrpSpPr>
-        <p:cNvPr id="1" name=""/>
-        <p:cNvGrpSpPr/>
-        <p:nvPr/>
-      </p:nvGrpSpPr>
-      <p:grpSpPr>
-        <a:xfrm>
-          <a:off x="0" y="0"/>
-          <a:ext cx="0" cy="0"/>
-          <a:chOff x="0" y="0"/>
-          <a:chExt cx="0" cy="0"/>
-        </a:xfrm>
-      </p:grpSpPr>
-      <p:sp>
-        <p:nvSpPr>
-          <p:cNvPr id="27651" name="Rectangle 2"/>
-          <p:cNvSpPr>
-            <a:spLocks noGrp="1" noChangeArrowheads="1"/>
-          </p:cNvSpPr>
-          <p:nvPr>
-            <p:ph type="title" idx="4294967295"/>
-          </p:nvPr>
-        </p:nvSpPr>
-        <p:spPr>
-          <a:xfrm>
-            <a:off x="3363402" y="766266"/>
-            <a:ext cx="5573864" cy="792162"/>
-          </a:xfrm>
-        </p:spPr>
-        <p:txBody>
-          <a:bodyPr/>
-          <a:lstStyle/>
-          <a:p>
-            <a:pPr eaLnBrk="1" hangingPunct="1"/>
-            <a:r>
-              <a:rPr lang="zh-CN" altLang="en-US"/>
-              <a:t>打开一个</a:t>
-            </a:r>
-            <a:r>
-              <a:rPr lang="en-US" altLang="zh-CN"/>
-              <a:t>word</a:t>
-            </a:r>
-            <a:r>
-              <a:rPr lang="zh-CN" altLang="en-US"/>
-              <a:t>文档</a:t>
-            </a:r>
-          </a:p>
-        </p:txBody>
-      </p:sp>
-      <p:sp>
-        <p:nvSpPr>
-          <p:cNvPr id="27652" name="Text Box 3"/>
-          <p:cNvSpPr txBox="1">
-            <a:spLocks noChangeArrowheads="1"/>
-          </p:cNvSpPr>
-          <p:nvPr/>
-        </p:nvSpPr>
-        <p:spPr bwMode="auto">
-          <a:xfrm>
-            <a:off x="1497406" y="1925215"/>
-            <a:ext cx="9427686" cy="1477328"/>
-          </a:xfrm>
-          <a:prstGeom prst="rect">
-            <a:avLst/>
-          </a:prstGeom>
-          <a:solidFill>
-            <a:schemeClr val="tx1"/>
-          </a:solidFill>
-          <a:ln>
-            <a:noFill/>
-          </a:ln>
-          <a:effectLst/>
-          <a:extLst/>
-        </p:spPr>
-        <p:txBody>
-          <a:bodyPr wrap="square">
-            <a:spAutoFit/>
-          </a:bodyPr>
-          <a:lstStyle>
-            <a:lvl1pPr>
-              <a:spcBef>
-                <a:spcPct val="20000"/>
-              </a:spcBef>
-              <a:buClr>
-                <a:schemeClr val="folHlink"/>
-              </a:buClr>
-              <a:buSzPct val="60000"/>
-              <a:buFont typeface="Wingdings" panose="05000000000000000000" pitchFamily="2" charset="2"/>
-              <a:buChar char="n"/>
-              <a:defRPr sz="3200">
-                <a:solidFill>
-                  <a:schemeClr val="tx1"/>
-                </a:solidFill>
-                <a:latin typeface="Tahoma" panose="020B0604030504040204" pitchFamily="34" charset="0"/>
-                <a:ea typeface="宋体" panose="02010600030101010101" pitchFamily="2" charset="-122"/>
-              </a:defRPr>
-            </a:lvl1pPr>
-            <a:lvl2pPr marL="742950" indent="-285750">
-              <a:spcBef>
-                <a:spcPct val="20000"/>
-              </a:spcBef>
-              <a:buClr>
-                <a:schemeClr val="hlink"/>
-              </a:buClr>
-              <a:buSzPct val="55000"/>
-              <a:buFont typeface="Wingdings" panose="05000000000000000000" pitchFamily="2" charset="2"/>
-              <a:buChar char="n"/>
-              <a:defRPr sz="2800">
-                <a:solidFill>
-                  <a:schemeClr val="tx1"/>
-                </a:solidFill>
-                <a:latin typeface="Tahoma" panose="020B0604030504040204" pitchFamily="34" charset="0"/>
-                <a:ea typeface="宋体" panose="02010600030101010101" pitchFamily="2" charset="-122"/>
-              </a:defRPr>
-            </a:lvl2pPr>
-            <a:lvl3pPr marL="1143000" indent="-228600">
-              <a:spcBef>
-                <a:spcPct val="20000"/>
-              </a:spcBef>
-              <a:buClr>
-                <a:schemeClr val="folHlink"/>
-              </a:buClr>
-              <a:buSzPct val="50000"/>
-              <a:buFont typeface="Wingdings" panose="05000000000000000000" pitchFamily="2" charset="2"/>
-              <a:buChar char="n"/>
-              <a:defRPr sz="2400">
-                <a:solidFill>
-                  <a:schemeClr val="tx1"/>
-                </a:solidFill>
-                <a:latin typeface="Tahoma" panose="020B0604030504040204" pitchFamily="34" charset="0"/>
-                <a:ea typeface="宋体" panose="02010600030101010101" pitchFamily="2" charset="-122"/>
-              </a:defRPr>
-            </a:lvl3pPr>
-            <a:lvl4pPr marL="1600200" indent="-228600">
-              <a:spcBef>
-                <a:spcPct val="20000"/>
-              </a:spcBef>
-              <a:buClr>
-                <a:schemeClr val="accent2"/>
-              </a:buClr>
-              <a:buSzPct val="55000"/>
-              <a:buFont typeface="Wingdings" panose="05000000000000000000" pitchFamily="2" charset="2"/>
-              <a:buChar char="n"/>
-              <a:defRPr sz="2000">
-                <a:solidFill>
-                  <a:schemeClr val="tx1"/>
-                </a:solidFill>
-                <a:latin typeface="Tahoma" panose="020B0604030504040204" pitchFamily="34" charset="0"/>
-                <a:ea typeface="宋体" panose="02010600030101010101" pitchFamily="2" charset="-122"/>
-              </a:defRPr>
-            </a:lvl4pPr>
-            <a:lvl5pPr marL="2057400" indent="-228600">
-              <a:spcBef>
-                <a:spcPct val="20000"/>
-              </a:spcBef>
-              <a:buClr>
-                <a:schemeClr val="accent1"/>
-              </a:buClr>
-              <a:buSzPct val="50000"/>
-              <a:buFont typeface="Wingdings" panose="05000000000000000000" pitchFamily="2" charset="2"/>
-              <a:buChar char="n"/>
-              <a:defRPr sz="2000">
-                <a:solidFill>
-                  <a:schemeClr val="tx1"/>
-                </a:solidFill>
-                <a:latin typeface="Tahoma" panose="020B0604030504040204" pitchFamily="34" charset="0"/>
-                <a:ea typeface="宋体" panose="02010600030101010101" pitchFamily="2" charset="-122"/>
-              </a:defRPr>
-            </a:lvl5pPr>
-            <a:lvl6pPr marL="2514600" indent="-228600" eaLnBrk="0" fontAlgn="base" hangingPunct="0">
-              <a:spcBef>
-                <a:spcPct val="20000"/>
-              </a:spcBef>
-              <a:spcAft>
-                <a:spcPct val="0"/>
-              </a:spcAft>
-              <a:buClr>
-                <a:schemeClr val="accent1"/>
-              </a:buClr>
-              <a:buSzPct val="50000"/>
-              <a:buFont typeface="Wingdings" panose="05000000000000000000" pitchFamily="2" charset="2"/>
-              <a:buChar char="n"/>
-              <a:defRPr sz="2000">
-                <a:solidFill>
-                  <a:schemeClr val="tx1"/>
-                </a:solidFill>
-                <a:latin typeface="Tahoma" panose="020B0604030504040204" pitchFamily="34" charset="0"/>
-                <a:ea typeface="宋体" panose="02010600030101010101" pitchFamily="2" charset="-122"/>
-              </a:defRPr>
-            </a:lvl6pPr>
-            <a:lvl7pPr marL="2971800" indent="-228600" eaLnBrk="0" fontAlgn="base" hangingPunct="0">
-              <a:spcBef>
-                <a:spcPct val="20000"/>
-              </a:spcBef>
-              <a:spcAft>
-                <a:spcPct val="0"/>
-              </a:spcAft>
-              <a:buClr>
-                <a:schemeClr val="accent1"/>
-              </a:buClr>
-              <a:buSzPct val="50000"/>
-              <a:buFont typeface="Wingdings" panose="05000000000000000000" pitchFamily="2" charset="2"/>
-              <a:buChar char="n"/>
-              <a:defRPr sz="2000">
-                <a:solidFill>
-                  <a:schemeClr val="tx1"/>
-                </a:solidFill>
-                <a:latin typeface="Tahoma" panose="020B0604030504040204" pitchFamily="34" charset="0"/>
-                <a:ea typeface="宋体" panose="02010600030101010101" pitchFamily="2" charset="-122"/>
-              </a:defRPr>
-            </a:lvl7pPr>
-            <a:lvl8pPr marL="3429000" indent="-228600" eaLnBrk="0" fontAlgn="base" hangingPunct="0">
-              <a:spcBef>
-                <a:spcPct val="20000"/>
-              </a:spcBef>
-              <a:spcAft>
-                <a:spcPct val="0"/>
-              </a:spcAft>
-              <a:buClr>
-                <a:schemeClr val="accent1"/>
-              </a:buClr>
-              <a:buSzPct val="50000"/>
-              <a:buFont typeface="Wingdings" panose="05000000000000000000" pitchFamily="2" charset="2"/>
-              <a:buChar char="n"/>
-              <a:defRPr sz="2000">
-                <a:solidFill>
-                  <a:schemeClr val="tx1"/>
-                </a:solidFill>
-                <a:latin typeface="Tahoma" panose="020B0604030504040204" pitchFamily="34" charset="0"/>
-                <a:ea typeface="宋体" panose="02010600030101010101" pitchFamily="2" charset="-122"/>
-              </a:defRPr>
-            </a:lvl8pPr>
-            <a:lvl9pPr marL="3886200" indent="-228600" eaLnBrk="0" fontAlgn="base" hangingPunct="0">
-              <a:spcBef>
-                <a:spcPct val="20000"/>
-              </a:spcBef>
-              <a:spcAft>
-                <a:spcPct val="0"/>
-              </a:spcAft>
-              <a:buClr>
-                <a:schemeClr val="accent1"/>
-              </a:buClr>
-              <a:buSzPct val="50000"/>
-              <a:buFont typeface="Wingdings" panose="05000000000000000000" pitchFamily="2" charset="2"/>
-              <a:buChar char="n"/>
-              <a:defRPr sz="2000">
-                <a:solidFill>
-                  <a:schemeClr val="tx1"/>
-                </a:solidFill>
-                <a:latin typeface="Tahoma" panose="020B0604030504040204" pitchFamily="34" charset="0"/>
-                <a:ea typeface="宋体" panose="02010600030101010101" pitchFamily="2" charset="-122"/>
-              </a:defRPr>
-            </a:lvl9pPr>
-          </a:lstStyle>
-          <a:p>
-            <a:pPr eaLnBrk="1" hangingPunct="1">
-              <a:spcBef>
-                <a:spcPct val="0"/>
-              </a:spcBef>
-              <a:buClrTx/>
-              <a:buSzTx/>
-              <a:buFontTx/>
-              <a:buNone/>
-            </a:pPr>
-            <a:r>
-              <a:rPr lang="en-US" altLang="zh-CN" sz="1800" dirty="0">
-                <a:solidFill>
-                  <a:schemeClr val="bg1"/>
-                </a:solidFill>
-                <a:latin typeface="Consolas" panose="020B0609020204030204" pitchFamily="49" charset="0"/>
-              </a:rPr>
-              <a:t>object </a:t>
-            </a:r>
-            <a:r>
-              <a:rPr lang="en-US" altLang="zh-CN" sz="1800" dirty="0" err="1">
-                <a:solidFill>
-                  <a:schemeClr val="bg1"/>
-                </a:solidFill>
-                <a:latin typeface="Consolas" panose="020B0609020204030204" pitchFamily="49" charset="0"/>
-              </a:rPr>
-              <a:t>fileName</a:t>
-            </a:r>
-            <a:r>
-              <a:rPr lang="en-US" altLang="zh-CN" sz="1800" dirty="0">
-                <a:solidFill>
-                  <a:schemeClr val="bg1"/>
-                </a:solidFill>
-                <a:latin typeface="Consolas" panose="020B0609020204030204" pitchFamily="49" charset="0"/>
-              </a:rPr>
-              <a:t> = @"C:\Test\NewDocument.doc"; </a:t>
-            </a:r>
-          </a:p>
-          <a:p>
-            <a:pPr eaLnBrk="1" hangingPunct="1">
-              <a:spcBef>
-                <a:spcPct val="0"/>
-              </a:spcBef>
-              <a:buClrTx/>
-              <a:buSzTx/>
-              <a:buFontTx/>
-              <a:buNone/>
-            </a:pPr>
-            <a:r>
-              <a:rPr lang="en-US" altLang="zh-CN" sz="1800" dirty="0" err="1">
-                <a:solidFill>
-                  <a:schemeClr val="bg1"/>
-                </a:solidFill>
-                <a:latin typeface="Consolas" panose="020B0609020204030204" pitchFamily="49" charset="0"/>
-              </a:rPr>
-              <a:t>this.Application.Documents.Open</a:t>
-            </a:r>
-            <a:r>
-              <a:rPr lang="en-US" altLang="zh-CN" sz="1800" dirty="0">
-                <a:solidFill>
-                  <a:schemeClr val="bg1"/>
-                </a:solidFill>
-                <a:latin typeface="Consolas" panose="020B0609020204030204" pitchFamily="49" charset="0"/>
-              </a:rPr>
-              <a:t>(ref </a:t>
-            </a:r>
-            <a:r>
-              <a:rPr lang="en-US" altLang="zh-CN" sz="1800" dirty="0" err="1">
-                <a:solidFill>
-                  <a:schemeClr val="bg1"/>
-                </a:solidFill>
-                <a:latin typeface="Consolas" panose="020B0609020204030204" pitchFamily="49" charset="0"/>
-              </a:rPr>
-              <a:t>fileName</a:t>
-            </a:r>
-            <a:r>
-              <a:rPr lang="en-US" altLang="zh-CN" sz="1800" dirty="0">
-                <a:solidFill>
-                  <a:schemeClr val="bg1"/>
-                </a:solidFill>
-                <a:latin typeface="Consolas" panose="020B0609020204030204" pitchFamily="49" charset="0"/>
-              </a:rPr>
-              <a:t>,</a:t>
-            </a:r>
-          </a:p>
-          <a:p>
-            <a:pPr eaLnBrk="1" hangingPunct="1">
-              <a:spcBef>
-                <a:spcPct val="0"/>
-              </a:spcBef>
-              <a:buClrTx/>
-              <a:buSzTx/>
-              <a:buFontTx/>
-              <a:buNone/>
-            </a:pPr>
-            <a:r>
-              <a:rPr lang="en-US" altLang="zh-CN" sz="1800" dirty="0">
-                <a:solidFill>
-                  <a:schemeClr val="bg1"/>
-                </a:solidFill>
-                <a:latin typeface="Consolas" panose="020B0609020204030204" pitchFamily="49" charset="0"/>
-              </a:rPr>
-              <a:t>    ref missing, ref missing, ref missing, ref missing, ref missing,</a:t>
-            </a:r>
-          </a:p>
-          <a:p>
-            <a:pPr eaLnBrk="1" hangingPunct="1">
-              <a:spcBef>
-                <a:spcPct val="0"/>
-              </a:spcBef>
-              <a:buClrTx/>
-              <a:buSzTx/>
-              <a:buFontTx/>
-              <a:buNone/>
-            </a:pPr>
-            <a:r>
-              <a:rPr lang="en-US" altLang="zh-CN" sz="1800" dirty="0">
-                <a:solidFill>
-                  <a:schemeClr val="bg1"/>
-                </a:solidFill>
-                <a:latin typeface="Consolas" panose="020B0609020204030204" pitchFamily="49" charset="0"/>
-              </a:rPr>
-              <a:t>    ref missing, ref missing, ref missing, ref missing, ref missing,</a:t>
-            </a:r>
-          </a:p>
-          <a:p>
-            <a:pPr eaLnBrk="1" hangingPunct="1">
-              <a:spcBef>
-                <a:spcPct val="0"/>
-              </a:spcBef>
-              <a:buClrTx/>
-              <a:buSzTx/>
-              <a:buFontTx/>
-              <a:buNone/>
-            </a:pPr>
-            <a:r>
-              <a:rPr lang="en-US" altLang="zh-CN" sz="1800" dirty="0">
-                <a:solidFill>
-                  <a:schemeClr val="bg1"/>
-                </a:solidFill>
-                <a:latin typeface="Consolas" panose="020B0609020204030204" pitchFamily="49" charset="0"/>
-              </a:rPr>
-              <a:t>    ref missing, ref missing, ref missing, ref missing, ref missing);</a:t>
-            </a:r>
-          </a:p>
-        </p:txBody>
-      </p:sp>
-      <p:sp>
-        <p:nvSpPr>
-          <p:cNvPr id="27653" name="文本框 1"/>
-          <p:cNvSpPr txBox="1">
-            <a:spLocks noChangeArrowheads="1"/>
-          </p:cNvSpPr>
-          <p:nvPr/>
-        </p:nvSpPr>
-        <p:spPr bwMode="auto">
-          <a:xfrm>
-            <a:off x="2124472" y="5079790"/>
-            <a:ext cx="8186737" cy="461962"/>
-          </a:xfrm>
-          <a:prstGeom prst="rect">
-            <a:avLst/>
-          </a:prstGeom>
-          <a:noFill/>
-          <a:ln>
-            <a:noFill/>
-          </a:ln>
-          <a:extLst>
-            <a:ext uri="{909E8E84-426E-40DD-AFC4-6F175D3DCCD1}">
-              <a14:hiddenFill xmlns:a14="http://schemas.microsoft.com/office/drawing/2010/main">
-                <a:solidFill>
-                  <a:srgbClr val="FFFFFF"/>
-                </a:solidFill>
-              </a14:hiddenFill>
-            </a:ext>
-            <a:ext uri="{91240B29-F687-4F45-9708-019B960494DF}">
-              <a14:hiddenLine xmlns:a14="http://schemas.microsoft.com/office/drawing/2010/main" w="9525">
-                <a:solidFill>
-                  <a:srgbClr val="000000"/>
-                </a:solidFill>
-                <a:miter lim="800000"/>
-                <a:headEnd/>
-                <a:tailEnd/>
-              </a14:hiddenLine>
-            </a:ext>
-          </a:extLst>
-        </p:spPr>
-        <p:txBody>
-          <a:bodyPr wrap="none">
-            <a:spAutoFit/>
-          </a:bodyPr>
-          <a:lstStyle>
-            <a:lvl1pPr>
-              <a:spcBef>
-                <a:spcPct val="20000"/>
-              </a:spcBef>
-              <a:buClr>
-                <a:schemeClr val="folHlink"/>
-              </a:buClr>
-              <a:buSzPct val="60000"/>
-              <a:buFont typeface="Wingdings" panose="05000000000000000000" pitchFamily="2" charset="2"/>
-              <a:buChar char="n"/>
-              <a:defRPr sz="3200">
-                <a:solidFill>
-                  <a:schemeClr val="tx1"/>
-                </a:solidFill>
-                <a:latin typeface="Tahoma" panose="020B0604030504040204" pitchFamily="34" charset="0"/>
-                <a:ea typeface="宋体" panose="02010600030101010101" pitchFamily="2" charset="-122"/>
-              </a:defRPr>
-            </a:lvl1pPr>
-            <a:lvl2pPr marL="742950" indent="-285750">
-              <a:spcBef>
-                <a:spcPct val="20000"/>
-              </a:spcBef>
-              <a:buClr>
-                <a:schemeClr val="hlink"/>
-              </a:buClr>
-              <a:buSzPct val="55000"/>
-              <a:buFont typeface="Wingdings" panose="05000000000000000000" pitchFamily="2" charset="2"/>
-              <a:buChar char="n"/>
-              <a:defRPr sz="2800">
-                <a:solidFill>
-                  <a:schemeClr val="tx1"/>
-                </a:solidFill>
-                <a:latin typeface="Tahoma" panose="020B0604030504040204" pitchFamily="34" charset="0"/>
-                <a:ea typeface="宋体" panose="02010600030101010101" pitchFamily="2" charset="-122"/>
-              </a:defRPr>
-            </a:lvl2pPr>
-            <a:lvl3pPr marL="1143000" indent="-228600">
-              <a:spcBef>
-                <a:spcPct val="20000"/>
-              </a:spcBef>
-              <a:buClr>
-                <a:schemeClr val="folHlink"/>
-              </a:buClr>
-              <a:buSzPct val="50000"/>
-              <a:buFont typeface="Wingdings" panose="05000000000000000000" pitchFamily="2" charset="2"/>
-              <a:buChar char="n"/>
-              <a:defRPr sz="2400">
-                <a:solidFill>
-                  <a:schemeClr val="tx1"/>
-                </a:solidFill>
-                <a:latin typeface="Tahoma" panose="020B0604030504040204" pitchFamily="34" charset="0"/>
-                <a:ea typeface="宋体" panose="02010600030101010101" pitchFamily="2" charset="-122"/>
-              </a:defRPr>
-            </a:lvl3pPr>
-            <a:lvl4pPr marL="1600200" indent="-228600">
-              <a:spcBef>
-                <a:spcPct val="20000"/>
-              </a:spcBef>
-              <a:buClr>
-                <a:schemeClr val="accent2"/>
-              </a:buClr>
-              <a:buSzPct val="55000"/>
-              <a:buFont typeface="Wingdings" panose="05000000000000000000" pitchFamily="2" charset="2"/>
-              <a:buChar char="n"/>
-              <a:defRPr sz="2000">
-                <a:solidFill>
-                  <a:schemeClr val="tx1"/>
-                </a:solidFill>
-                <a:latin typeface="Tahoma" panose="020B0604030504040204" pitchFamily="34" charset="0"/>
-                <a:ea typeface="宋体" panose="02010600030101010101" pitchFamily="2" charset="-122"/>
-              </a:defRPr>
-            </a:lvl4pPr>
-            <a:lvl5pPr marL="2057400" indent="-228600">
-              <a:spcBef>
-                <a:spcPct val="20000"/>
-              </a:spcBef>
-              <a:buClr>
-                <a:schemeClr val="accent1"/>
-              </a:buClr>
-              <a:buSzPct val="50000"/>
-              <a:buFont typeface="Wingdings" panose="05000000000000000000" pitchFamily="2" charset="2"/>
-              <a:buChar char="n"/>
-              <a:defRPr sz="2000">
-                <a:solidFill>
-                  <a:schemeClr val="tx1"/>
-                </a:solidFill>
-                <a:latin typeface="Tahoma" panose="020B0604030504040204" pitchFamily="34" charset="0"/>
-                <a:ea typeface="宋体" panose="02010600030101010101" pitchFamily="2" charset="-122"/>
-              </a:defRPr>
-            </a:lvl5pPr>
-            <a:lvl6pPr marL="2514600" indent="-228600" eaLnBrk="0" fontAlgn="base" hangingPunct="0">
-              <a:spcBef>
-                <a:spcPct val="20000"/>
-              </a:spcBef>
-              <a:spcAft>
-                <a:spcPct val="0"/>
-              </a:spcAft>
-              <a:buClr>
-                <a:schemeClr val="accent1"/>
-              </a:buClr>
-              <a:buSzPct val="50000"/>
-              <a:buFont typeface="Wingdings" panose="05000000000000000000" pitchFamily="2" charset="2"/>
-              <a:buChar char="n"/>
-              <a:defRPr sz="2000">
-                <a:solidFill>
-                  <a:schemeClr val="tx1"/>
-                </a:solidFill>
-                <a:latin typeface="Tahoma" panose="020B0604030504040204" pitchFamily="34" charset="0"/>
-                <a:ea typeface="宋体" panose="02010600030101010101" pitchFamily="2" charset="-122"/>
-              </a:defRPr>
-            </a:lvl6pPr>
-            <a:lvl7pPr marL="2971800" indent="-228600" eaLnBrk="0" fontAlgn="base" hangingPunct="0">
-              <a:spcBef>
-                <a:spcPct val="20000"/>
-              </a:spcBef>
-              <a:spcAft>
-                <a:spcPct val="0"/>
-              </a:spcAft>
-              <a:buClr>
-                <a:schemeClr val="accent1"/>
-              </a:buClr>
-              <a:buSzPct val="50000"/>
-              <a:buFont typeface="Wingdings" panose="05000000000000000000" pitchFamily="2" charset="2"/>
-              <a:buChar char="n"/>
-              <a:defRPr sz="2000">
-                <a:solidFill>
-                  <a:schemeClr val="tx1"/>
-                </a:solidFill>
-                <a:latin typeface="Tahoma" panose="020B0604030504040204" pitchFamily="34" charset="0"/>
-                <a:ea typeface="宋体" panose="02010600030101010101" pitchFamily="2" charset="-122"/>
-              </a:defRPr>
-            </a:lvl7pPr>
-            <a:lvl8pPr marL="3429000" indent="-228600" eaLnBrk="0" fontAlgn="base" hangingPunct="0">
-              <a:spcBef>
-                <a:spcPct val="20000"/>
-              </a:spcBef>
-              <a:spcAft>
-                <a:spcPct val="0"/>
-              </a:spcAft>
-              <a:buClr>
-                <a:schemeClr val="accent1"/>
-              </a:buClr>
-              <a:buSzPct val="50000"/>
-              <a:buFont typeface="Wingdings" panose="05000000000000000000" pitchFamily="2" charset="2"/>
-              <a:buChar char="n"/>
-              <a:defRPr sz="2000">
-                <a:solidFill>
-                  <a:schemeClr val="tx1"/>
-                </a:solidFill>
-                <a:latin typeface="Tahoma" panose="020B0604030504040204" pitchFamily="34" charset="0"/>
-                <a:ea typeface="宋体" panose="02010600030101010101" pitchFamily="2" charset="-122"/>
-              </a:defRPr>
-            </a:lvl8pPr>
-            <a:lvl9pPr marL="3886200" indent="-228600" eaLnBrk="0" fontAlgn="base" hangingPunct="0">
-              <a:spcBef>
-                <a:spcPct val="20000"/>
-              </a:spcBef>
-              <a:spcAft>
-                <a:spcPct val="0"/>
-              </a:spcAft>
-              <a:buClr>
-                <a:schemeClr val="accent1"/>
-              </a:buClr>
-              <a:buSzPct val="50000"/>
-              <a:buFont typeface="Wingdings" panose="05000000000000000000" pitchFamily="2" charset="2"/>
-              <a:buChar char="n"/>
-              <a:defRPr sz="2000">
-                <a:solidFill>
-                  <a:schemeClr val="tx1"/>
-                </a:solidFill>
-                <a:latin typeface="Tahoma" panose="020B0604030504040204" pitchFamily="34" charset="0"/>
-                <a:ea typeface="宋体" panose="02010600030101010101" pitchFamily="2" charset="-122"/>
-              </a:defRPr>
-            </a:lvl9pPr>
-          </a:lstStyle>
-          <a:p>
-            <a:pPr eaLnBrk="1" hangingPunct="1">
-              <a:spcBef>
-                <a:spcPct val="0"/>
-              </a:spcBef>
-              <a:buClrTx/>
-              <a:buSzTx/>
-              <a:buFontTx/>
-              <a:buNone/>
-            </a:pPr>
-            <a:r>
-              <a:rPr lang="zh-CN" altLang="en-US" sz="2400" dirty="0">
-                <a:solidFill>
-                  <a:srgbClr val="002060"/>
-                </a:solidFill>
-                <a:latin typeface="微软雅黑" panose="020B0503020204020204" pitchFamily="34" charset="-122"/>
-                <a:ea typeface="微软雅黑" panose="020B0503020204020204" pitchFamily="34" charset="-122"/>
-              </a:rPr>
-              <a:t>在编程过程中，利用反射机制来获得参数的简单说明信息。</a:t>
-            </a:r>
-          </a:p>
-        </p:txBody>
-      </p:sp>
-    </p:spTree>
-    <p:extLst>
-      <p:ext uri="{BB962C8B-B14F-4D97-AF65-F5344CB8AC3E}">
-        <p14:creationId xmlns:p14="http://schemas.microsoft.com/office/powerpoint/2010/main" val="3274453411"/>
       </p:ext>
     </p:extLst>
   </p:cSld>
@@ -22124,6 +21885,667 @@
       </p:grpSpPr>
       <p:sp>
         <p:nvSpPr>
+          <p:cNvPr id="27651" name="Rectangle 2"/>
+          <p:cNvSpPr>
+            <a:spLocks noGrp="1" noChangeArrowheads="1"/>
+          </p:cNvSpPr>
+          <p:nvPr>
+            <p:ph type="title" idx="4294967295"/>
+          </p:nvPr>
+        </p:nvSpPr>
+        <p:spPr>
+          <a:xfrm>
+            <a:off x="3363402" y="766266"/>
+            <a:ext cx="5573864" cy="792162"/>
+          </a:xfrm>
+        </p:spPr>
+        <p:txBody>
+          <a:bodyPr/>
+          <a:lstStyle/>
+          <a:p>
+            <a:pPr eaLnBrk="1" hangingPunct="1"/>
+            <a:r>
+              <a:rPr lang="zh-CN" altLang="en-US"/>
+              <a:t>打开一个</a:t>
+            </a:r>
+            <a:r>
+              <a:rPr lang="en-US" altLang="zh-CN"/>
+              <a:t>word</a:t>
+            </a:r>
+            <a:r>
+              <a:rPr lang="zh-CN" altLang="en-US"/>
+              <a:t>文档</a:t>
+            </a:r>
+          </a:p>
+        </p:txBody>
+      </p:sp>
+      <p:sp>
+        <p:nvSpPr>
+          <p:cNvPr id="27652" name="Text Box 3"/>
+          <p:cNvSpPr txBox="1">
+            <a:spLocks noChangeArrowheads="1"/>
+          </p:cNvSpPr>
+          <p:nvPr/>
+        </p:nvSpPr>
+        <p:spPr bwMode="auto">
+          <a:xfrm>
+            <a:off x="1497406" y="1925215"/>
+            <a:ext cx="9427686" cy="1477328"/>
+          </a:xfrm>
+          <a:prstGeom prst="rect">
+            <a:avLst/>
+          </a:prstGeom>
+          <a:solidFill>
+            <a:schemeClr val="tx1"/>
+          </a:solidFill>
+          <a:ln>
+            <a:noFill/>
+          </a:ln>
+          <a:effectLst/>
+          <a:extLst/>
+        </p:spPr>
+        <p:txBody>
+          <a:bodyPr wrap="square">
+            <a:spAutoFit/>
+          </a:bodyPr>
+          <a:lstStyle>
+            <a:lvl1pPr>
+              <a:spcBef>
+                <a:spcPct val="20000"/>
+              </a:spcBef>
+              <a:buClr>
+                <a:schemeClr val="folHlink"/>
+              </a:buClr>
+              <a:buSzPct val="60000"/>
+              <a:buFont typeface="Wingdings" panose="05000000000000000000" pitchFamily="2" charset="2"/>
+              <a:buChar char="n"/>
+              <a:defRPr sz="3200">
+                <a:solidFill>
+                  <a:schemeClr val="tx1"/>
+                </a:solidFill>
+                <a:latin typeface="Tahoma" panose="020B0604030504040204" pitchFamily="34" charset="0"/>
+                <a:ea typeface="宋体" panose="02010600030101010101" pitchFamily="2" charset="-122"/>
+              </a:defRPr>
+            </a:lvl1pPr>
+            <a:lvl2pPr marL="742950" indent="-285750">
+              <a:spcBef>
+                <a:spcPct val="20000"/>
+              </a:spcBef>
+              <a:buClr>
+                <a:schemeClr val="hlink"/>
+              </a:buClr>
+              <a:buSzPct val="55000"/>
+              <a:buFont typeface="Wingdings" panose="05000000000000000000" pitchFamily="2" charset="2"/>
+              <a:buChar char="n"/>
+              <a:defRPr sz="2800">
+                <a:solidFill>
+                  <a:schemeClr val="tx1"/>
+                </a:solidFill>
+                <a:latin typeface="Tahoma" panose="020B0604030504040204" pitchFamily="34" charset="0"/>
+                <a:ea typeface="宋体" panose="02010600030101010101" pitchFamily="2" charset="-122"/>
+              </a:defRPr>
+            </a:lvl2pPr>
+            <a:lvl3pPr marL="1143000" indent="-228600">
+              <a:spcBef>
+                <a:spcPct val="20000"/>
+              </a:spcBef>
+              <a:buClr>
+                <a:schemeClr val="folHlink"/>
+              </a:buClr>
+              <a:buSzPct val="50000"/>
+              <a:buFont typeface="Wingdings" panose="05000000000000000000" pitchFamily="2" charset="2"/>
+              <a:buChar char="n"/>
+              <a:defRPr sz="2400">
+                <a:solidFill>
+                  <a:schemeClr val="tx1"/>
+                </a:solidFill>
+                <a:latin typeface="Tahoma" panose="020B0604030504040204" pitchFamily="34" charset="0"/>
+                <a:ea typeface="宋体" panose="02010600030101010101" pitchFamily="2" charset="-122"/>
+              </a:defRPr>
+            </a:lvl3pPr>
+            <a:lvl4pPr marL="1600200" indent="-228600">
+              <a:spcBef>
+                <a:spcPct val="20000"/>
+              </a:spcBef>
+              <a:buClr>
+                <a:schemeClr val="accent2"/>
+              </a:buClr>
+              <a:buSzPct val="55000"/>
+              <a:buFont typeface="Wingdings" panose="05000000000000000000" pitchFamily="2" charset="2"/>
+              <a:buChar char="n"/>
+              <a:defRPr sz="2000">
+                <a:solidFill>
+                  <a:schemeClr val="tx1"/>
+                </a:solidFill>
+                <a:latin typeface="Tahoma" panose="020B0604030504040204" pitchFamily="34" charset="0"/>
+                <a:ea typeface="宋体" panose="02010600030101010101" pitchFamily="2" charset="-122"/>
+              </a:defRPr>
+            </a:lvl4pPr>
+            <a:lvl5pPr marL="2057400" indent="-228600">
+              <a:spcBef>
+                <a:spcPct val="20000"/>
+              </a:spcBef>
+              <a:buClr>
+                <a:schemeClr val="accent1"/>
+              </a:buClr>
+              <a:buSzPct val="50000"/>
+              <a:buFont typeface="Wingdings" panose="05000000000000000000" pitchFamily="2" charset="2"/>
+              <a:buChar char="n"/>
+              <a:defRPr sz="2000">
+                <a:solidFill>
+                  <a:schemeClr val="tx1"/>
+                </a:solidFill>
+                <a:latin typeface="Tahoma" panose="020B0604030504040204" pitchFamily="34" charset="0"/>
+                <a:ea typeface="宋体" panose="02010600030101010101" pitchFamily="2" charset="-122"/>
+              </a:defRPr>
+            </a:lvl5pPr>
+            <a:lvl6pPr marL="2514600" indent="-228600" eaLnBrk="0" fontAlgn="base" hangingPunct="0">
+              <a:spcBef>
+                <a:spcPct val="20000"/>
+              </a:spcBef>
+              <a:spcAft>
+                <a:spcPct val="0"/>
+              </a:spcAft>
+              <a:buClr>
+                <a:schemeClr val="accent1"/>
+              </a:buClr>
+              <a:buSzPct val="50000"/>
+              <a:buFont typeface="Wingdings" panose="05000000000000000000" pitchFamily="2" charset="2"/>
+              <a:buChar char="n"/>
+              <a:defRPr sz="2000">
+                <a:solidFill>
+                  <a:schemeClr val="tx1"/>
+                </a:solidFill>
+                <a:latin typeface="Tahoma" panose="020B0604030504040204" pitchFamily="34" charset="0"/>
+                <a:ea typeface="宋体" panose="02010600030101010101" pitchFamily="2" charset="-122"/>
+              </a:defRPr>
+            </a:lvl6pPr>
+            <a:lvl7pPr marL="2971800" indent="-228600" eaLnBrk="0" fontAlgn="base" hangingPunct="0">
+              <a:spcBef>
+                <a:spcPct val="20000"/>
+              </a:spcBef>
+              <a:spcAft>
+                <a:spcPct val="0"/>
+              </a:spcAft>
+              <a:buClr>
+                <a:schemeClr val="accent1"/>
+              </a:buClr>
+              <a:buSzPct val="50000"/>
+              <a:buFont typeface="Wingdings" panose="05000000000000000000" pitchFamily="2" charset="2"/>
+              <a:buChar char="n"/>
+              <a:defRPr sz="2000">
+                <a:solidFill>
+                  <a:schemeClr val="tx1"/>
+                </a:solidFill>
+                <a:latin typeface="Tahoma" panose="020B0604030504040204" pitchFamily="34" charset="0"/>
+                <a:ea typeface="宋体" panose="02010600030101010101" pitchFamily="2" charset="-122"/>
+              </a:defRPr>
+            </a:lvl7pPr>
+            <a:lvl8pPr marL="3429000" indent="-228600" eaLnBrk="0" fontAlgn="base" hangingPunct="0">
+              <a:spcBef>
+                <a:spcPct val="20000"/>
+              </a:spcBef>
+              <a:spcAft>
+                <a:spcPct val="0"/>
+              </a:spcAft>
+              <a:buClr>
+                <a:schemeClr val="accent1"/>
+              </a:buClr>
+              <a:buSzPct val="50000"/>
+              <a:buFont typeface="Wingdings" panose="05000000000000000000" pitchFamily="2" charset="2"/>
+              <a:buChar char="n"/>
+              <a:defRPr sz="2000">
+                <a:solidFill>
+                  <a:schemeClr val="tx1"/>
+                </a:solidFill>
+                <a:latin typeface="Tahoma" panose="020B0604030504040204" pitchFamily="34" charset="0"/>
+                <a:ea typeface="宋体" panose="02010600030101010101" pitchFamily="2" charset="-122"/>
+              </a:defRPr>
+            </a:lvl8pPr>
+            <a:lvl9pPr marL="3886200" indent="-228600" eaLnBrk="0" fontAlgn="base" hangingPunct="0">
+              <a:spcBef>
+                <a:spcPct val="20000"/>
+              </a:spcBef>
+              <a:spcAft>
+                <a:spcPct val="0"/>
+              </a:spcAft>
+              <a:buClr>
+                <a:schemeClr val="accent1"/>
+              </a:buClr>
+              <a:buSzPct val="50000"/>
+              <a:buFont typeface="Wingdings" panose="05000000000000000000" pitchFamily="2" charset="2"/>
+              <a:buChar char="n"/>
+              <a:defRPr sz="2000">
+                <a:solidFill>
+                  <a:schemeClr val="tx1"/>
+                </a:solidFill>
+                <a:latin typeface="Tahoma" panose="020B0604030504040204" pitchFamily="34" charset="0"/>
+                <a:ea typeface="宋体" panose="02010600030101010101" pitchFamily="2" charset="-122"/>
+              </a:defRPr>
+            </a:lvl9pPr>
+          </a:lstStyle>
+          <a:p>
+            <a:pPr eaLnBrk="1" hangingPunct="1">
+              <a:spcBef>
+                <a:spcPct val="0"/>
+              </a:spcBef>
+              <a:buClrTx/>
+              <a:buSzTx/>
+              <a:buFontTx/>
+              <a:buNone/>
+            </a:pPr>
+            <a:r>
+              <a:rPr lang="en-US" altLang="zh-CN" sz="1800" dirty="0">
+                <a:solidFill>
+                  <a:schemeClr val="bg1"/>
+                </a:solidFill>
+                <a:latin typeface="Consolas" panose="020B0609020204030204" pitchFamily="49" charset="0"/>
+              </a:rPr>
+              <a:t>object </a:t>
+            </a:r>
+            <a:r>
+              <a:rPr lang="en-US" altLang="zh-CN" sz="1800" dirty="0" err="1">
+                <a:solidFill>
+                  <a:schemeClr val="bg1"/>
+                </a:solidFill>
+                <a:latin typeface="Consolas" panose="020B0609020204030204" pitchFamily="49" charset="0"/>
+              </a:rPr>
+              <a:t>fileName</a:t>
+            </a:r>
+            <a:r>
+              <a:rPr lang="en-US" altLang="zh-CN" sz="1800" dirty="0">
+                <a:solidFill>
+                  <a:schemeClr val="bg1"/>
+                </a:solidFill>
+                <a:latin typeface="Consolas" panose="020B0609020204030204" pitchFamily="49" charset="0"/>
+              </a:rPr>
+              <a:t> = @"C:\Test\NewDocument.doc"; </a:t>
+            </a:r>
+          </a:p>
+          <a:p>
+            <a:pPr eaLnBrk="1" hangingPunct="1">
+              <a:spcBef>
+                <a:spcPct val="0"/>
+              </a:spcBef>
+              <a:buClrTx/>
+              <a:buSzTx/>
+              <a:buFontTx/>
+              <a:buNone/>
+            </a:pPr>
+            <a:r>
+              <a:rPr lang="en-US" altLang="zh-CN" sz="1800" dirty="0" err="1">
+                <a:solidFill>
+                  <a:schemeClr val="bg1"/>
+                </a:solidFill>
+                <a:latin typeface="Consolas" panose="020B0609020204030204" pitchFamily="49" charset="0"/>
+              </a:rPr>
+              <a:t>this.Application.Documents.Open</a:t>
+            </a:r>
+            <a:r>
+              <a:rPr lang="en-US" altLang="zh-CN" sz="1800" dirty="0">
+                <a:solidFill>
+                  <a:schemeClr val="bg1"/>
+                </a:solidFill>
+                <a:latin typeface="Consolas" panose="020B0609020204030204" pitchFamily="49" charset="0"/>
+              </a:rPr>
+              <a:t>(ref </a:t>
+            </a:r>
+            <a:r>
+              <a:rPr lang="en-US" altLang="zh-CN" sz="1800" dirty="0" err="1">
+                <a:solidFill>
+                  <a:schemeClr val="bg1"/>
+                </a:solidFill>
+                <a:latin typeface="Consolas" panose="020B0609020204030204" pitchFamily="49" charset="0"/>
+              </a:rPr>
+              <a:t>fileName</a:t>
+            </a:r>
+            <a:r>
+              <a:rPr lang="en-US" altLang="zh-CN" sz="1800" dirty="0">
+                <a:solidFill>
+                  <a:schemeClr val="bg1"/>
+                </a:solidFill>
+                <a:latin typeface="Consolas" panose="020B0609020204030204" pitchFamily="49" charset="0"/>
+              </a:rPr>
+              <a:t>,</a:t>
+            </a:r>
+          </a:p>
+          <a:p>
+            <a:pPr eaLnBrk="1" hangingPunct="1">
+              <a:spcBef>
+                <a:spcPct val="0"/>
+              </a:spcBef>
+              <a:buClrTx/>
+              <a:buSzTx/>
+              <a:buFontTx/>
+              <a:buNone/>
+            </a:pPr>
+            <a:r>
+              <a:rPr lang="en-US" altLang="zh-CN" sz="1800" dirty="0">
+                <a:solidFill>
+                  <a:schemeClr val="bg1"/>
+                </a:solidFill>
+                <a:latin typeface="Consolas" panose="020B0609020204030204" pitchFamily="49" charset="0"/>
+              </a:rPr>
+              <a:t>    ref missing, ref missing, ref missing, ref missing, ref missing,</a:t>
+            </a:r>
+          </a:p>
+          <a:p>
+            <a:pPr eaLnBrk="1" hangingPunct="1">
+              <a:spcBef>
+                <a:spcPct val="0"/>
+              </a:spcBef>
+              <a:buClrTx/>
+              <a:buSzTx/>
+              <a:buFontTx/>
+              <a:buNone/>
+            </a:pPr>
+            <a:r>
+              <a:rPr lang="en-US" altLang="zh-CN" sz="1800" dirty="0">
+                <a:solidFill>
+                  <a:schemeClr val="bg1"/>
+                </a:solidFill>
+                <a:latin typeface="Consolas" panose="020B0609020204030204" pitchFamily="49" charset="0"/>
+              </a:rPr>
+              <a:t>    ref missing, ref missing, ref missing, ref missing, ref missing,</a:t>
+            </a:r>
+          </a:p>
+          <a:p>
+            <a:pPr eaLnBrk="1" hangingPunct="1">
+              <a:spcBef>
+                <a:spcPct val="0"/>
+              </a:spcBef>
+              <a:buClrTx/>
+              <a:buSzTx/>
+              <a:buFontTx/>
+              <a:buNone/>
+            </a:pPr>
+            <a:r>
+              <a:rPr lang="en-US" altLang="zh-CN" sz="1800" dirty="0">
+                <a:solidFill>
+                  <a:schemeClr val="bg1"/>
+                </a:solidFill>
+                <a:latin typeface="Consolas" panose="020B0609020204030204" pitchFamily="49" charset="0"/>
+              </a:rPr>
+              <a:t>    ref missing, ref missing, ref missing, ref missing, ref missing);</a:t>
+            </a:r>
+          </a:p>
+        </p:txBody>
+      </p:sp>
+      <p:sp>
+        <p:nvSpPr>
+          <p:cNvPr id="27653" name="文本框 1"/>
+          <p:cNvSpPr txBox="1">
+            <a:spLocks noChangeArrowheads="1"/>
+          </p:cNvSpPr>
+          <p:nvPr/>
+        </p:nvSpPr>
+        <p:spPr bwMode="auto">
+          <a:xfrm>
+            <a:off x="2124472" y="5079790"/>
+            <a:ext cx="8186737" cy="461962"/>
+          </a:xfrm>
+          <a:prstGeom prst="rect">
+            <a:avLst/>
+          </a:prstGeom>
+          <a:noFill/>
+          <a:ln>
+            <a:noFill/>
+          </a:ln>
+          <a:extLst>
+            <a:ext uri="{909E8E84-426E-40DD-AFC4-6F175D3DCCD1}">
+              <a14:hiddenFill xmlns:a14="http://schemas.microsoft.com/office/drawing/2010/main">
+                <a:solidFill>
+                  <a:srgbClr val="FFFFFF"/>
+                </a:solidFill>
+              </a14:hiddenFill>
+            </a:ext>
+            <a:ext uri="{91240B29-F687-4F45-9708-019B960494DF}">
+              <a14:hiddenLine xmlns:a14="http://schemas.microsoft.com/office/drawing/2010/main" w="9525">
+                <a:solidFill>
+                  <a:srgbClr val="000000"/>
+                </a:solidFill>
+                <a:miter lim="800000"/>
+                <a:headEnd/>
+                <a:tailEnd/>
+              </a14:hiddenLine>
+            </a:ext>
+          </a:extLst>
+        </p:spPr>
+        <p:txBody>
+          <a:bodyPr wrap="none">
+            <a:spAutoFit/>
+          </a:bodyPr>
+          <a:lstStyle>
+            <a:lvl1pPr>
+              <a:spcBef>
+                <a:spcPct val="20000"/>
+              </a:spcBef>
+              <a:buClr>
+                <a:schemeClr val="folHlink"/>
+              </a:buClr>
+              <a:buSzPct val="60000"/>
+              <a:buFont typeface="Wingdings" panose="05000000000000000000" pitchFamily="2" charset="2"/>
+              <a:buChar char="n"/>
+              <a:defRPr sz="3200">
+                <a:solidFill>
+                  <a:schemeClr val="tx1"/>
+                </a:solidFill>
+                <a:latin typeface="Tahoma" panose="020B0604030504040204" pitchFamily="34" charset="0"/>
+                <a:ea typeface="宋体" panose="02010600030101010101" pitchFamily="2" charset="-122"/>
+              </a:defRPr>
+            </a:lvl1pPr>
+            <a:lvl2pPr marL="742950" indent="-285750">
+              <a:spcBef>
+                <a:spcPct val="20000"/>
+              </a:spcBef>
+              <a:buClr>
+                <a:schemeClr val="hlink"/>
+              </a:buClr>
+              <a:buSzPct val="55000"/>
+              <a:buFont typeface="Wingdings" panose="05000000000000000000" pitchFamily="2" charset="2"/>
+              <a:buChar char="n"/>
+              <a:defRPr sz="2800">
+                <a:solidFill>
+                  <a:schemeClr val="tx1"/>
+                </a:solidFill>
+                <a:latin typeface="Tahoma" panose="020B0604030504040204" pitchFamily="34" charset="0"/>
+                <a:ea typeface="宋体" panose="02010600030101010101" pitchFamily="2" charset="-122"/>
+              </a:defRPr>
+            </a:lvl2pPr>
+            <a:lvl3pPr marL="1143000" indent="-228600">
+              <a:spcBef>
+                <a:spcPct val="20000"/>
+              </a:spcBef>
+              <a:buClr>
+                <a:schemeClr val="folHlink"/>
+              </a:buClr>
+              <a:buSzPct val="50000"/>
+              <a:buFont typeface="Wingdings" panose="05000000000000000000" pitchFamily="2" charset="2"/>
+              <a:buChar char="n"/>
+              <a:defRPr sz="2400">
+                <a:solidFill>
+                  <a:schemeClr val="tx1"/>
+                </a:solidFill>
+                <a:latin typeface="Tahoma" panose="020B0604030504040204" pitchFamily="34" charset="0"/>
+                <a:ea typeface="宋体" panose="02010600030101010101" pitchFamily="2" charset="-122"/>
+              </a:defRPr>
+            </a:lvl3pPr>
+            <a:lvl4pPr marL="1600200" indent="-228600">
+              <a:spcBef>
+                <a:spcPct val="20000"/>
+              </a:spcBef>
+              <a:buClr>
+                <a:schemeClr val="accent2"/>
+              </a:buClr>
+              <a:buSzPct val="55000"/>
+              <a:buFont typeface="Wingdings" panose="05000000000000000000" pitchFamily="2" charset="2"/>
+              <a:buChar char="n"/>
+              <a:defRPr sz="2000">
+                <a:solidFill>
+                  <a:schemeClr val="tx1"/>
+                </a:solidFill>
+                <a:latin typeface="Tahoma" panose="020B0604030504040204" pitchFamily="34" charset="0"/>
+                <a:ea typeface="宋体" panose="02010600030101010101" pitchFamily="2" charset="-122"/>
+              </a:defRPr>
+            </a:lvl4pPr>
+            <a:lvl5pPr marL="2057400" indent="-228600">
+              <a:spcBef>
+                <a:spcPct val="20000"/>
+              </a:spcBef>
+              <a:buClr>
+                <a:schemeClr val="accent1"/>
+              </a:buClr>
+              <a:buSzPct val="50000"/>
+              <a:buFont typeface="Wingdings" panose="05000000000000000000" pitchFamily="2" charset="2"/>
+              <a:buChar char="n"/>
+              <a:defRPr sz="2000">
+                <a:solidFill>
+                  <a:schemeClr val="tx1"/>
+                </a:solidFill>
+                <a:latin typeface="Tahoma" panose="020B0604030504040204" pitchFamily="34" charset="0"/>
+                <a:ea typeface="宋体" panose="02010600030101010101" pitchFamily="2" charset="-122"/>
+              </a:defRPr>
+            </a:lvl5pPr>
+            <a:lvl6pPr marL="2514600" indent="-228600" eaLnBrk="0" fontAlgn="base" hangingPunct="0">
+              <a:spcBef>
+                <a:spcPct val="20000"/>
+              </a:spcBef>
+              <a:spcAft>
+                <a:spcPct val="0"/>
+              </a:spcAft>
+              <a:buClr>
+                <a:schemeClr val="accent1"/>
+              </a:buClr>
+              <a:buSzPct val="50000"/>
+              <a:buFont typeface="Wingdings" panose="05000000000000000000" pitchFamily="2" charset="2"/>
+              <a:buChar char="n"/>
+              <a:defRPr sz="2000">
+                <a:solidFill>
+                  <a:schemeClr val="tx1"/>
+                </a:solidFill>
+                <a:latin typeface="Tahoma" panose="020B0604030504040204" pitchFamily="34" charset="0"/>
+                <a:ea typeface="宋体" panose="02010600030101010101" pitchFamily="2" charset="-122"/>
+              </a:defRPr>
+            </a:lvl6pPr>
+            <a:lvl7pPr marL="2971800" indent="-228600" eaLnBrk="0" fontAlgn="base" hangingPunct="0">
+              <a:spcBef>
+                <a:spcPct val="20000"/>
+              </a:spcBef>
+              <a:spcAft>
+                <a:spcPct val="0"/>
+              </a:spcAft>
+              <a:buClr>
+                <a:schemeClr val="accent1"/>
+              </a:buClr>
+              <a:buSzPct val="50000"/>
+              <a:buFont typeface="Wingdings" panose="05000000000000000000" pitchFamily="2" charset="2"/>
+              <a:buChar char="n"/>
+              <a:defRPr sz="2000">
+                <a:solidFill>
+                  <a:schemeClr val="tx1"/>
+                </a:solidFill>
+                <a:latin typeface="Tahoma" panose="020B0604030504040204" pitchFamily="34" charset="0"/>
+                <a:ea typeface="宋体" panose="02010600030101010101" pitchFamily="2" charset="-122"/>
+              </a:defRPr>
+            </a:lvl7pPr>
+            <a:lvl8pPr marL="3429000" indent="-228600" eaLnBrk="0" fontAlgn="base" hangingPunct="0">
+              <a:spcBef>
+                <a:spcPct val="20000"/>
+              </a:spcBef>
+              <a:spcAft>
+                <a:spcPct val="0"/>
+              </a:spcAft>
+              <a:buClr>
+                <a:schemeClr val="accent1"/>
+              </a:buClr>
+              <a:buSzPct val="50000"/>
+              <a:buFont typeface="Wingdings" panose="05000000000000000000" pitchFamily="2" charset="2"/>
+              <a:buChar char="n"/>
+              <a:defRPr sz="2000">
+                <a:solidFill>
+                  <a:schemeClr val="tx1"/>
+                </a:solidFill>
+                <a:latin typeface="Tahoma" panose="020B0604030504040204" pitchFamily="34" charset="0"/>
+                <a:ea typeface="宋体" panose="02010600030101010101" pitchFamily="2" charset="-122"/>
+              </a:defRPr>
+            </a:lvl8pPr>
+            <a:lvl9pPr marL="3886200" indent="-228600" eaLnBrk="0" fontAlgn="base" hangingPunct="0">
+              <a:spcBef>
+                <a:spcPct val="20000"/>
+              </a:spcBef>
+              <a:spcAft>
+                <a:spcPct val="0"/>
+              </a:spcAft>
+              <a:buClr>
+                <a:schemeClr val="accent1"/>
+              </a:buClr>
+              <a:buSzPct val="50000"/>
+              <a:buFont typeface="Wingdings" panose="05000000000000000000" pitchFamily="2" charset="2"/>
+              <a:buChar char="n"/>
+              <a:defRPr sz="2000">
+                <a:solidFill>
+                  <a:schemeClr val="tx1"/>
+                </a:solidFill>
+                <a:latin typeface="Tahoma" panose="020B0604030504040204" pitchFamily="34" charset="0"/>
+                <a:ea typeface="宋体" panose="02010600030101010101" pitchFamily="2" charset="-122"/>
+              </a:defRPr>
+            </a:lvl9pPr>
+          </a:lstStyle>
+          <a:p>
+            <a:pPr eaLnBrk="1" hangingPunct="1">
+              <a:spcBef>
+                <a:spcPct val="0"/>
+              </a:spcBef>
+              <a:buClrTx/>
+              <a:buSzTx/>
+              <a:buFontTx/>
+              <a:buNone/>
+            </a:pPr>
+            <a:r>
+              <a:rPr lang="zh-CN" altLang="en-US" sz="2400" dirty="0">
+                <a:solidFill>
+                  <a:srgbClr val="002060"/>
+                </a:solidFill>
+                <a:latin typeface="微软雅黑" panose="020B0503020204020204" pitchFamily="34" charset="-122"/>
+                <a:ea typeface="微软雅黑" panose="020B0503020204020204" pitchFamily="34" charset="-122"/>
+              </a:rPr>
+              <a:t>在编程过程中，利用反射机制来获得参数的简单说明信息。</a:t>
+            </a:r>
+          </a:p>
+        </p:txBody>
+      </p:sp>
+    </p:spTree>
+    <p:extLst>
+      <p:ext uri="{BB962C8B-B14F-4D97-AF65-F5344CB8AC3E}">
+        <p14:creationId xmlns:p14="http://schemas.microsoft.com/office/powerpoint/2010/main" val="3274453411"/>
+      </p:ext>
+    </p:extLst>
+  </p:cSld>
+  <p:clrMapOvr>
+    <a:masterClrMapping/>
+  </p:clrMapOvr>
+</p:sld>
+</file>
+
+<file path=ppt/slides/slide41.xml><?xml version="1.0" encoding="utf-8"?>
+<p:sld xmlns:a="http://schemas.openxmlformats.org/drawingml/2006/main" xmlns:r="http://schemas.openxmlformats.org/officeDocument/2006/relationships" xmlns:p="http://schemas.openxmlformats.org/presentationml/2006/main">
+  <p:cSld>
+    <p:spTree>
+      <p:nvGrpSpPr>
+        <p:cNvPr id="1" name=""/>
+        <p:cNvGrpSpPr/>
+        <p:nvPr/>
+      </p:nvGrpSpPr>
+      <p:grpSpPr>
+        <a:xfrm>
+          <a:off x="0" y="0"/>
+          <a:ext cx="0" cy="0"/>
+          <a:chOff x="0" y="0"/>
+          <a:chExt cx="0" cy="0"/>
+        </a:xfrm>
+      </p:grpSpPr>
+      <p:sp>
+        <p:nvSpPr>
           <p:cNvPr id="29699" name="Rectangle 2"/>
           <p:cNvSpPr>
             <a:spLocks noGrp="1" noChangeArrowheads="1"/>
@@ -22244,7 +22666,7 @@
 </p:sld>
 </file>
 
-<file path=ppt/slides/slide41.xml><?xml version="1.0" encoding="utf-8"?>
+<file path=ppt/slides/slide42.xml><?xml version="1.0" encoding="utf-8"?>
 <p:sld xmlns:a="http://schemas.openxmlformats.org/drawingml/2006/main" xmlns:r="http://schemas.openxmlformats.org/officeDocument/2006/relationships" xmlns:p="http://schemas.openxmlformats.org/presentationml/2006/main">
   <p:cSld>
     <p:spTree>
@@ -22454,7 +22876,7 @@
 </p:sld>
 </file>
 
-<file path=ppt/slides/slide42.xml><?xml version="1.0" encoding="utf-8"?>
+<file path=ppt/slides/slide43.xml><?xml version="1.0" encoding="utf-8"?>
 <p:sld xmlns:a="http://schemas.openxmlformats.org/drawingml/2006/main" xmlns:r="http://schemas.openxmlformats.org/officeDocument/2006/relationships" xmlns:p="http://schemas.openxmlformats.org/presentationml/2006/main">
   <p:cSld>
     <p:spTree>
@@ -22653,7 +23075,7 @@
 </p:sld>
 </file>
 
-<file path=ppt/slides/slide43.xml><?xml version="1.0" encoding="utf-8"?>
+<file path=ppt/slides/slide44.xml><?xml version="1.0" encoding="utf-8"?>
 <p:sld xmlns:a="http://schemas.openxmlformats.org/drawingml/2006/main" xmlns:r="http://schemas.openxmlformats.org/officeDocument/2006/relationships" xmlns:p="http://schemas.openxmlformats.org/presentationml/2006/main">
   <p:cSld>
     <p:spTree>
@@ -23332,7 +23754,7 @@
 </p:sld>
 </file>
 
-<file path=ppt/slides/slide44.xml><?xml version="1.0" encoding="utf-8"?>
+<file path=ppt/slides/slide45.xml><?xml version="1.0" encoding="utf-8"?>
 <p:sld xmlns:a="http://schemas.openxmlformats.org/drawingml/2006/main" xmlns:r="http://schemas.openxmlformats.org/officeDocument/2006/relationships" xmlns:p="http://schemas.openxmlformats.org/presentationml/2006/main">
   <p:cSld>
     <p:spTree>
@@ -23456,7 +23878,7 @@
 </p:sld>
 </file>
 
-<file path=ppt/slides/slide45.xml><?xml version="1.0" encoding="utf-8"?>
+<file path=ppt/slides/slide46.xml><?xml version="1.0" encoding="utf-8"?>
 <p:sld xmlns:a="http://schemas.openxmlformats.org/drawingml/2006/main" xmlns:r="http://schemas.openxmlformats.org/officeDocument/2006/relationships" xmlns:p="http://schemas.openxmlformats.org/presentationml/2006/main">
   <p:cSld>
     <p:spTree>
@@ -24021,7 +24443,7 @@
 </p:sld>
 </file>
 
-<file path=ppt/slides/slide46.xml><?xml version="1.0" encoding="utf-8"?>
+<file path=ppt/slides/slide47.xml><?xml version="1.0" encoding="utf-8"?>
 <p:sld xmlns:a="http://schemas.openxmlformats.org/drawingml/2006/main" xmlns:r="http://schemas.openxmlformats.org/officeDocument/2006/relationships" xmlns:p="http://schemas.openxmlformats.org/presentationml/2006/main">
   <p:cSld>
     <p:spTree>
@@ -24746,7 +25168,7 @@
 </p:sld>
 </file>
 
-<file path=ppt/slides/slide47.xml><?xml version="1.0" encoding="utf-8"?>
+<file path=ppt/slides/slide48.xml><?xml version="1.0" encoding="utf-8"?>
 <p:sld xmlns:a="http://schemas.openxmlformats.org/drawingml/2006/main" xmlns:r="http://schemas.openxmlformats.org/officeDocument/2006/relationships" xmlns:p="http://schemas.openxmlformats.org/presentationml/2006/main">
   <p:cSld>
     <p:spTree>
@@ -25726,7 +26148,7 @@
 </p:sld>
 </file>
 
-<file path=ppt/slides/slide48.xml><?xml version="1.0" encoding="utf-8"?>
+<file path=ppt/slides/slide49.xml><?xml version="1.0" encoding="utf-8"?>
 <p:sld xmlns:a="http://schemas.openxmlformats.org/drawingml/2006/main" xmlns:r="http://schemas.openxmlformats.org/officeDocument/2006/relationships" xmlns:p="http://schemas.openxmlformats.org/presentationml/2006/main">
   <p:cSld>
     <p:spTree>
@@ -25805,592 +26227,6 @@
     <p:extLst>
       <p:ext uri="{BB962C8B-B14F-4D97-AF65-F5344CB8AC3E}">
         <p14:creationId xmlns:p14="http://schemas.microsoft.com/office/powerpoint/2010/main" val="4125779818"/>
-      </p:ext>
-    </p:extLst>
-  </p:cSld>
-  <p:clrMapOvr>
-    <a:masterClrMapping/>
-  </p:clrMapOvr>
-</p:sld>
-</file>
-
-<file path=ppt/slides/slide49.xml><?xml version="1.0" encoding="utf-8"?>
-<p:sld xmlns:a="http://schemas.openxmlformats.org/drawingml/2006/main" xmlns:r="http://schemas.openxmlformats.org/officeDocument/2006/relationships" xmlns:p="http://schemas.openxmlformats.org/presentationml/2006/main">
-  <p:cSld>
-    <p:spTree>
-      <p:nvGrpSpPr>
-        <p:cNvPr id="1" name=""/>
-        <p:cNvGrpSpPr/>
-        <p:nvPr/>
-      </p:nvGrpSpPr>
-      <p:grpSpPr>
-        <a:xfrm>
-          <a:off x="0" y="0"/>
-          <a:ext cx="0" cy="0"/>
-          <a:chOff x="0" y="0"/>
-          <a:chExt cx="0" cy="0"/>
-        </a:xfrm>
-      </p:grpSpPr>
-      <p:sp>
-        <p:nvSpPr>
-          <p:cNvPr id="37890" name="Rectangle 2"/>
-          <p:cNvSpPr>
-            <a:spLocks noGrp="1" noChangeArrowheads="1"/>
-          </p:cNvSpPr>
-          <p:nvPr>
-            <p:ph type="title" idx="4294967295"/>
-          </p:nvPr>
-        </p:nvSpPr>
-        <p:spPr>
-          <a:xfrm>
-            <a:off x="3136534" y="681894"/>
-            <a:ext cx="5260044" cy="768350"/>
-          </a:xfrm>
-        </p:spPr>
-        <p:txBody>
-          <a:bodyPr/>
-          <a:lstStyle/>
-          <a:p>
-            <a:pPr eaLnBrk="1" hangingPunct="1"/>
-            <a:r>
-              <a:rPr lang="zh-CN" altLang="en-US" dirty="0"/>
-              <a:t>设置文本格式</a:t>
-            </a:r>
-          </a:p>
-        </p:txBody>
-      </p:sp>
-      <p:sp>
-        <p:nvSpPr>
-          <p:cNvPr id="37891" name="Text Box 3"/>
-          <p:cNvSpPr txBox="1">
-            <a:spLocks noChangeArrowheads="1"/>
-          </p:cNvSpPr>
-          <p:nvPr/>
-        </p:nvSpPr>
-        <p:spPr bwMode="auto">
-          <a:xfrm>
-            <a:off x="3625042" y="1683045"/>
-            <a:ext cx="7056438" cy="4211637"/>
-          </a:xfrm>
-          <a:prstGeom prst="rect">
-            <a:avLst/>
-          </a:prstGeom>
-          <a:noFill/>
-          <a:ln>
-            <a:noFill/>
-          </a:ln>
-          <a:effectLst/>
-          <a:extLst>
-            <a:ext uri="{909E8E84-426E-40DD-AFC4-6F175D3DCCD1}">
-              <a14:hiddenFill xmlns:a14="http://schemas.microsoft.com/office/drawing/2010/main">
-                <a:solidFill>
-                  <a:schemeClr val="accent1"/>
-                </a:solidFill>
-              </a14:hiddenFill>
-            </a:ext>
-            <a:ext uri="{91240B29-F687-4F45-9708-019B960494DF}">
-              <a14:hiddenLine xmlns:a14="http://schemas.microsoft.com/office/drawing/2010/main" w="9525">
-                <a:solidFill>
-                  <a:schemeClr val="tx1"/>
-                </a:solidFill>
-                <a:miter lim="800000"/>
-                <a:headEnd/>
-                <a:tailEnd/>
-              </a14:hiddenLine>
-            </a:ext>
-            <a:ext uri="{AF507438-7753-43E0-B8FC-AC1667EBCBE1}">
-              <a14:hiddenEffects xmlns:a14="http://schemas.microsoft.com/office/drawing/2010/main">
-                <a:effectLst>
-                  <a:outerShdw dist="35921" dir="2700000" algn="ctr" rotWithShape="0">
-                    <a:schemeClr val="bg2"/>
-                  </a:outerShdw>
-                </a:effectLst>
-              </a14:hiddenEffects>
-            </a:ext>
-          </a:extLst>
-        </p:spPr>
-        <p:txBody>
-          <a:bodyPr>
-            <a:spAutoFit/>
-          </a:bodyPr>
-          <a:lstStyle>
-            <a:lvl1pPr>
-              <a:spcBef>
-                <a:spcPct val="20000"/>
-              </a:spcBef>
-              <a:buClr>
-                <a:schemeClr val="folHlink"/>
-              </a:buClr>
-              <a:buSzPct val="60000"/>
-              <a:buFont typeface="Wingdings" panose="05000000000000000000" pitchFamily="2" charset="2"/>
-              <a:buChar char="n"/>
-              <a:defRPr sz="3200">
-                <a:solidFill>
-                  <a:schemeClr val="tx1"/>
-                </a:solidFill>
-                <a:latin typeface="Tahoma" panose="020B0604030504040204" pitchFamily="34" charset="0"/>
-                <a:ea typeface="宋体" panose="02010600030101010101" pitchFamily="2" charset="-122"/>
-              </a:defRPr>
-            </a:lvl1pPr>
-            <a:lvl2pPr marL="742950" indent="-285750">
-              <a:spcBef>
-                <a:spcPct val="20000"/>
-              </a:spcBef>
-              <a:buClr>
-                <a:schemeClr val="hlink"/>
-              </a:buClr>
-              <a:buSzPct val="55000"/>
-              <a:buFont typeface="Wingdings" panose="05000000000000000000" pitchFamily="2" charset="2"/>
-              <a:buChar char="n"/>
-              <a:defRPr sz="2800">
-                <a:solidFill>
-                  <a:schemeClr val="tx1"/>
-                </a:solidFill>
-                <a:latin typeface="Tahoma" panose="020B0604030504040204" pitchFamily="34" charset="0"/>
-                <a:ea typeface="宋体" panose="02010600030101010101" pitchFamily="2" charset="-122"/>
-              </a:defRPr>
-            </a:lvl2pPr>
-            <a:lvl3pPr marL="1143000" indent="-228600">
-              <a:spcBef>
-                <a:spcPct val="20000"/>
-              </a:spcBef>
-              <a:buClr>
-                <a:schemeClr val="folHlink"/>
-              </a:buClr>
-              <a:buSzPct val="50000"/>
-              <a:buFont typeface="Wingdings" panose="05000000000000000000" pitchFamily="2" charset="2"/>
-              <a:buChar char="n"/>
-              <a:defRPr sz="2400">
-                <a:solidFill>
-                  <a:schemeClr val="tx1"/>
-                </a:solidFill>
-                <a:latin typeface="Tahoma" panose="020B0604030504040204" pitchFamily="34" charset="0"/>
-                <a:ea typeface="宋体" panose="02010600030101010101" pitchFamily="2" charset="-122"/>
-              </a:defRPr>
-            </a:lvl3pPr>
-            <a:lvl4pPr marL="1600200" indent="-228600">
-              <a:spcBef>
-                <a:spcPct val="20000"/>
-              </a:spcBef>
-              <a:buClr>
-                <a:schemeClr val="accent2"/>
-              </a:buClr>
-              <a:buSzPct val="55000"/>
-              <a:buFont typeface="Wingdings" panose="05000000000000000000" pitchFamily="2" charset="2"/>
-              <a:buChar char="n"/>
-              <a:defRPr sz="2000">
-                <a:solidFill>
-                  <a:schemeClr val="tx1"/>
-                </a:solidFill>
-                <a:latin typeface="Tahoma" panose="020B0604030504040204" pitchFamily="34" charset="0"/>
-                <a:ea typeface="宋体" panose="02010600030101010101" pitchFamily="2" charset="-122"/>
-              </a:defRPr>
-            </a:lvl4pPr>
-            <a:lvl5pPr marL="2057400" indent="-228600">
-              <a:spcBef>
-                <a:spcPct val="20000"/>
-              </a:spcBef>
-              <a:buClr>
-                <a:schemeClr val="accent1"/>
-              </a:buClr>
-              <a:buSzPct val="50000"/>
-              <a:buFont typeface="Wingdings" panose="05000000000000000000" pitchFamily="2" charset="2"/>
-              <a:buChar char="n"/>
-              <a:defRPr sz="2000">
-                <a:solidFill>
-                  <a:schemeClr val="tx1"/>
-                </a:solidFill>
-                <a:latin typeface="Tahoma" panose="020B0604030504040204" pitchFamily="34" charset="0"/>
-                <a:ea typeface="宋体" panose="02010600030101010101" pitchFamily="2" charset="-122"/>
-              </a:defRPr>
-            </a:lvl5pPr>
-            <a:lvl6pPr marL="2514600" indent="-228600" eaLnBrk="0" fontAlgn="base" hangingPunct="0">
-              <a:spcBef>
-                <a:spcPct val="20000"/>
-              </a:spcBef>
-              <a:spcAft>
-                <a:spcPct val="0"/>
-              </a:spcAft>
-              <a:buClr>
-                <a:schemeClr val="accent1"/>
-              </a:buClr>
-              <a:buSzPct val="50000"/>
-              <a:buFont typeface="Wingdings" panose="05000000000000000000" pitchFamily="2" charset="2"/>
-              <a:buChar char="n"/>
-              <a:defRPr sz="2000">
-                <a:solidFill>
-                  <a:schemeClr val="tx1"/>
-                </a:solidFill>
-                <a:latin typeface="Tahoma" panose="020B0604030504040204" pitchFamily="34" charset="0"/>
-                <a:ea typeface="宋体" panose="02010600030101010101" pitchFamily="2" charset="-122"/>
-              </a:defRPr>
-            </a:lvl6pPr>
-            <a:lvl7pPr marL="2971800" indent="-228600" eaLnBrk="0" fontAlgn="base" hangingPunct="0">
-              <a:spcBef>
-                <a:spcPct val="20000"/>
-              </a:spcBef>
-              <a:spcAft>
-                <a:spcPct val="0"/>
-              </a:spcAft>
-              <a:buClr>
-                <a:schemeClr val="accent1"/>
-              </a:buClr>
-              <a:buSzPct val="50000"/>
-              <a:buFont typeface="Wingdings" panose="05000000000000000000" pitchFamily="2" charset="2"/>
-              <a:buChar char="n"/>
-              <a:defRPr sz="2000">
-                <a:solidFill>
-                  <a:schemeClr val="tx1"/>
-                </a:solidFill>
-                <a:latin typeface="Tahoma" panose="020B0604030504040204" pitchFamily="34" charset="0"/>
-                <a:ea typeface="宋体" panose="02010600030101010101" pitchFamily="2" charset="-122"/>
-              </a:defRPr>
-            </a:lvl7pPr>
-            <a:lvl8pPr marL="3429000" indent="-228600" eaLnBrk="0" fontAlgn="base" hangingPunct="0">
-              <a:spcBef>
-                <a:spcPct val="20000"/>
-              </a:spcBef>
-              <a:spcAft>
-                <a:spcPct val="0"/>
-              </a:spcAft>
-              <a:buClr>
-                <a:schemeClr val="accent1"/>
-              </a:buClr>
-              <a:buSzPct val="50000"/>
-              <a:buFont typeface="Wingdings" panose="05000000000000000000" pitchFamily="2" charset="2"/>
-              <a:buChar char="n"/>
-              <a:defRPr sz="2000">
-                <a:solidFill>
-                  <a:schemeClr val="tx1"/>
-                </a:solidFill>
-                <a:latin typeface="Tahoma" panose="020B0604030504040204" pitchFamily="34" charset="0"/>
-                <a:ea typeface="宋体" panose="02010600030101010101" pitchFamily="2" charset="-122"/>
-              </a:defRPr>
-            </a:lvl8pPr>
-            <a:lvl9pPr marL="3886200" indent="-228600" eaLnBrk="0" fontAlgn="base" hangingPunct="0">
-              <a:spcBef>
-                <a:spcPct val="20000"/>
-              </a:spcBef>
-              <a:spcAft>
-                <a:spcPct val="0"/>
-              </a:spcAft>
-              <a:buClr>
-                <a:schemeClr val="accent1"/>
-              </a:buClr>
-              <a:buSzPct val="50000"/>
-              <a:buFont typeface="Wingdings" panose="05000000000000000000" pitchFamily="2" charset="2"/>
-              <a:buChar char="n"/>
-              <a:defRPr sz="2000">
-                <a:solidFill>
-                  <a:schemeClr val="tx1"/>
-                </a:solidFill>
-                <a:latin typeface="Tahoma" panose="020B0604030504040204" pitchFamily="34" charset="0"/>
-                <a:ea typeface="宋体" panose="02010600030101010101" pitchFamily="2" charset="-122"/>
-              </a:defRPr>
-            </a:lvl9pPr>
-          </a:lstStyle>
-          <a:p>
-            <a:pPr eaLnBrk="1" hangingPunct="1">
-              <a:spcBef>
-                <a:spcPct val="0"/>
-              </a:spcBef>
-              <a:buClrTx/>
-              <a:buSzTx/>
-              <a:buFontTx/>
-              <a:buNone/>
-            </a:pPr>
-            <a:r>
-              <a:rPr lang="en-US" altLang="en-US" sz="1800" dirty="0"/>
-              <a:t>private void </a:t>
-            </a:r>
-            <a:r>
-              <a:rPr lang="en-US" altLang="en-US" sz="1800" dirty="0" err="1"/>
-              <a:t>RangeFormat</a:t>
-            </a:r>
-            <a:r>
-              <a:rPr lang="en-US" altLang="en-US" sz="1800" dirty="0"/>
-              <a:t>() </a:t>
-            </a:r>
-          </a:p>
-          <a:p>
-            <a:pPr eaLnBrk="1" hangingPunct="1">
-              <a:spcBef>
-                <a:spcPct val="0"/>
-              </a:spcBef>
-              <a:buClrTx/>
-              <a:buSzTx/>
-              <a:buFontTx/>
-              <a:buNone/>
-            </a:pPr>
-            <a:r>
-              <a:rPr lang="en-US" altLang="en-US" sz="1800" dirty="0"/>
-              <a:t>{ </a:t>
-            </a:r>
-          </a:p>
-          <a:p>
-            <a:pPr eaLnBrk="1" hangingPunct="1">
-              <a:spcBef>
-                <a:spcPct val="0"/>
-              </a:spcBef>
-              <a:buClrTx/>
-              <a:buSzTx/>
-              <a:buFontTx/>
-              <a:buNone/>
-            </a:pPr>
-            <a:r>
-              <a:rPr lang="en-US" altLang="en-US" sz="1800" dirty="0"/>
-              <a:t>     // Set the Range to the first paragraph. </a:t>
-            </a:r>
-          </a:p>
-          <a:p>
-            <a:pPr eaLnBrk="1" hangingPunct="1">
-              <a:spcBef>
-                <a:spcPct val="0"/>
-              </a:spcBef>
-              <a:buClrTx/>
-              <a:buSzTx/>
-              <a:buFontTx/>
-              <a:buNone/>
-            </a:pPr>
-            <a:r>
-              <a:rPr lang="en-US" altLang="en-US" sz="1800" dirty="0"/>
-              <a:t>    </a:t>
-            </a:r>
-            <a:r>
-              <a:rPr lang="en-US" altLang="en-US" sz="1800" dirty="0" err="1"/>
-              <a:t>Word.Range</a:t>
-            </a:r>
-            <a:r>
-              <a:rPr lang="en-US" altLang="en-US" sz="1800" dirty="0"/>
-              <a:t> </a:t>
-            </a:r>
-            <a:r>
-              <a:rPr lang="en-US" altLang="en-US" sz="1800" dirty="0" err="1"/>
-              <a:t>rng</a:t>
-            </a:r>
-            <a:r>
-              <a:rPr lang="en-US" altLang="en-US" sz="1800" dirty="0"/>
-              <a:t> = </a:t>
-            </a:r>
-            <a:r>
-              <a:rPr lang="en-US" altLang="en-US" sz="1800" dirty="0" err="1"/>
-              <a:t>this.Paragraphs</a:t>
-            </a:r>
-            <a:r>
-              <a:rPr lang="en-US" altLang="en-US" sz="1800" dirty="0"/>
-              <a:t>[1].Range; </a:t>
-            </a:r>
-          </a:p>
-          <a:p>
-            <a:pPr eaLnBrk="1" hangingPunct="1">
-              <a:spcBef>
-                <a:spcPct val="0"/>
-              </a:spcBef>
-              <a:buClrTx/>
-              <a:buSzTx/>
-              <a:buFontTx/>
-              <a:buNone/>
-            </a:pPr>
-            <a:endParaRPr lang="en-US" altLang="en-US" sz="1800" dirty="0"/>
-          </a:p>
-          <a:p>
-            <a:pPr eaLnBrk="1" hangingPunct="1">
-              <a:spcBef>
-                <a:spcPct val="0"/>
-              </a:spcBef>
-              <a:buClrTx/>
-              <a:buSzTx/>
-              <a:buFontTx/>
-              <a:buNone/>
-            </a:pPr>
-            <a:r>
-              <a:rPr lang="en-US" altLang="en-US" sz="1800" dirty="0"/>
-              <a:t>    // Change the formatting. </a:t>
-            </a:r>
-          </a:p>
-          <a:p>
-            <a:pPr eaLnBrk="1" hangingPunct="1">
-              <a:spcBef>
-                <a:spcPct val="0"/>
-              </a:spcBef>
-              <a:buClrTx/>
-              <a:buSzTx/>
-              <a:buFontTx/>
-              <a:buNone/>
-            </a:pPr>
-            <a:r>
-              <a:rPr lang="en-US" altLang="en-US" sz="1800" dirty="0"/>
-              <a:t>    </a:t>
-            </a:r>
-            <a:r>
-              <a:rPr lang="en-US" altLang="en-US" sz="1800" dirty="0" err="1"/>
-              <a:t>rng.Font.Size</a:t>
-            </a:r>
-            <a:r>
-              <a:rPr lang="en-US" altLang="en-US" sz="1800" dirty="0"/>
-              <a:t> = 14; </a:t>
-            </a:r>
-          </a:p>
-          <a:p>
-            <a:pPr eaLnBrk="1" hangingPunct="1">
-              <a:spcBef>
-                <a:spcPct val="0"/>
-              </a:spcBef>
-              <a:buClrTx/>
-              <a:buSzTx/>
-              <a:buFontTx/>
-              <a:buNone/>
-            </a:pPr>
-            <a:r>
-              <a:rPr lang="en-US" altLang="en-US" sz="1800" dirty="0"/>
-              <a:t>    </a:t>
-            </a:r>
-            <a:r>
-              <a:rPr lang="en-US" altLang="en-US" sz="1800" dirty="0" err="1"/>
-              <a:t>rng.Font.Name</a:t>
-            </a:r>
-            <a:r>
-              <a:rPr lang="en-US" altLang="en-US" sz="1800" dirty="0"/>
-              <a:t> = "Arial"; </a:t>
-            </a:r>
-          </a:p>
-          <a:p>
-            <a:pPr eaLnBrk="1" hangingPunct="1">
-              <a:spcBef>
-                <a:spcPct val="0"/>
-              </a:spcBef>
-              <a:buClrTx/>
-              <a:buSzTx/>
-              <a:buFontTx/>
-              <a:buNone/>
-            </a:pPr>
-            <a:r>
-              <a:rPr lang="en-US" altLang="en-US" sz="1800" dirty="0"/>
-              <a:t>    </a:t>
-            </a:r>
-            <a:r>
-              <a:rPr lang="en-US" altLang="en-US" sz="1800" dirty="0" err="1"/>
-              <a:t>rng.ParagraphFormat.Alignment</a:t>
-            </a:r>
-            <a:r>
-              <a:rPr lang="en-US" altLang="en-US" sz="1800" dirty="0"/>
-              <a:t> = </a:t>
-            </a:r>
-            <a:r>
-              <a:rPr lang="en-US" altLang="en-US" sz="1800" dirty="0" err="1"/>
-              <a:t>Word.WdParagraphAlignment.wdAlignParagraphCenter</a:t>
-            </a:r>
-            <a:r>
-              <a:rPr lang="en-US" altLang="en-US" sz="1800" dirty="0"/>
-              <a:t>;</a:t>
-            </a:r>
-          </a:p>
-          <a:p>
-            <a:pPr eaLnBrk="1" hangingPunct="1">
-              <a:spcBef>
-                <a:spcPct val="0"/>
-              </a:spcBef>
-              <a:buClrTx/>
-              <a:buSzTx/>
-              <a:buFontTx/>
-              <a:buNone/>
-            </a:pPr>
-            <a:r>
-              <a:rPr lang="en-US" altLang="en-US" sz="1800" dirty="0"/>
-              <a:t>  </a:t>
-            </a:r>
-          </a:p>
-          <a:p>
-            <a:pPr eaLnBrk="1" hangingPunct="1">
-              <a:spcBef>
-                <a:spcPct val="0"/>
-              </a:spcBef>
-              <a:buClrTx/>
-              <a:buSzTx/>
-              <a:buFontTx/>
-              <a:buNone/>
-            </a:pPr>
-            <a:r>
-              <a:rPr lang="en-US" altLang="en-US" sz="1800" dirty="0"/>
-              <a:t>    // Apply the Normal Indent style. </a:t>
-            </a:r>
-          </a:p>
-          <a:p>
-            <a:pPr eaLnBrk="1" hangingPunct="1">
-              <a:spcBef>
-                <a:spcPct val="0"/>
-              </a:spcBef>
-              <a:buClrTx/>
-              <a:buSzTx/>
-              <a:buFontTx/>
-              <a:buNone/>
-            </a:pPr>
-            <a:r>
-              <a:rPr lang="en-US" altLang="en-US" sz="1800" dirty="0"/>
-              <a:t>    object </a:t>
-            </a:r>
-            <a:r>
-              <a:rPr lang="en-US" altLang="en-US" sz="1800" dirty="0" err="1"/>
-              <a:t>indentStyle</a:t>
-            </a:r>
-            <a:r>
-              <a:rPr lang="en-US" altLang="en-US" sz="1800" dirty="0"/>
-              <a:t> = "Normal Indent"; </a:t>
-            </a:r>
-          </a:p>
-          <a:p>
-            <a:pPr eaLnBrk="1" hangingPunct="1">
-              <a:spcBef>
-                <a:spcPct val="0"/>
-              </a:spcBef>
-              <a:buClrTx/>
-              <a:buSzTx/>
-              <a:buFontTx/>
-              <a:buNone/>
-            </a:pPr>
-            <a:r>
-              <a:rPr lang="en-US" altLang="en-US" sz="1800" dirty="0"/>
-              <a:t>    </a:t>
-            </a:r>
-            <a:r>
-              <a:rPr lang="en-US" altLang="en-US" sz="1800" dirty="0" err="1"/>
-              <a:t>rng.set_Style</a:t>
-            </a:r>
-            <a:r>
-              <a:rPr lang="en-US" altLang="en-US" sz="1800" dirty="0"/>
-              <a:t>(ref </a:t>
-            </a:r>
-            <a:r>
-              <a:rPr lang="en-US" altLang="en-US" sz="1800" dirty="0" err="1"/>
-              <a:t>indentStyle</a:t>
-            </a:r>
-            <a:r>
-              <a:rPr lang="en-US" altLang="en-US" sz="1800" dirty="0"/>
-              <a:t>); </a:t>
-            </a:r>
-          </a:p>
-          <a:p>
-            <a:pPr eaLnBrk="1" hangingPunct="1">
-              <a:spcBef>
-                <a:spcPct val="0"/>
-              </a:spcBef>
-              <a:buClrTx/>
-              <a:buSzTx/>
-              <a:buFontTx/>
-              <a:buNone/>
-            </a:pPr>
-            <a:r>
-              <a:rPr lang="en-US" altLang="en-US" sz="1800" dirty="0"/>
-              <a:t>}</a:t>
-            </a:r>
-            <a:endParaRPr lang="en-US" altLang="zh-CN" sz="1800" dirty="0"/>
-          </a:p>
-        </p:txBody>
-      </p:sp>
-    </p:spTree>
-    <p:extLst>
-      <p:ext uri="{BB962C8B-B14F-4D97-AF65-F5344CB8AC3E}">
-        <p14:creationId xmlns:p14="http://schemas.microsoft.com/office/powerpoint/2010/main" val="3667952313"/>
       </p:ext>
     </p:extLst>
   </p:cSld>
@@ -26658,6 +26494,592 @@
       </p:grpSpPr>
       <p:sp>
         <p:nvSpPr>
+          <p:cNvPr id="37890" name="Rectangle 2"/>
+          <p:cNvSpPr>
+            <a:spLocks noGrp="1" noChangeArrowheads="1"/>
+          </p:cNvSpPr>
+          <p:nvPr>
+            <p:ph type="title" idx="4294967295"/>
+          </p:nvPr>
+        </p:nvSpPr>
+        <p:spPr>
+          <a:xfrm>
+            <a:off x="3136534" y="681894"/>
+            <a:ext cx="5260044" cy="768350"/>
+          </a:xfrm>
+        </p:spPr>
+        <p:txBody>
+          <a:bodyPr/>
+          <a:lstStyle/>
+          <a:p>
+            <a:pPr eaLnBrk="1" hangingPunct="1"/>
+            <a:r>
+              <a:rPr lang="zh-CN" altLang="en-US" dirty="0"/>
+              <a:t>设置文本格式</a:t>
+            </a:r>
+          </a:p>
+        </p:txBody>
+      </p:sp>
+      <p:sp>
+        <p:nvSpPr>
+          <p:cNvPr id="37891" name="Text Box 3"/>
+          <p:cNvSpPr txBox="1">
+            <a:spLocks noChangeArrowheads="1"/>
+          </p:cNvSpPr>
+          <p:nvPr/>
+        </p:nvSpPr>
+        <p:spPr bwMode="auto">
+          <a:xfrm>
+            <a:off x="3625042" y="1683045"/>
+            <a:ext cx="7056438" cy="4211637"/>
+          </a:xfrm>
+          <a:prstGeom prst="rect">
+            <a:avLst/>
+          </a:prstGeom>
+          <a:noFill/>
+          <a:ln>
+            <a:noFill/>
+          </a:ln>
+          <a:effectLst/>
+          <a:extLst>
+            <a:ext uri="{909E8E84-426E-40DD-AFC4-6F175D3DCCD1}">
+              <a14:hiddenFill xmlns:a14="http://schemas.microsoft.com/office/drawing/2010/main">
+                <a:solidFill>
+                  <a:schemeClr val="accent1"/>
+                </a:solidFill>
+              </a14:hiddenFill>
+            </a:ext>
+            <a:ext uri="{91240B29-F687-4F45-9708-019B960494DF}">
+              <a14:hiddenLine xmlns:a14="http://schemas.microsoft.com/office/drawing/2010/main" w="9525">
+                <a:solidFill>
+                  <a:schemeClr val="tx1"/>
+                </a:solidFill>
+                <a:miter lim="800000"/>
+                <a:headEnd/>
+                <a:tailEnd/>
+              </a14:hiddenLine>
+            </a:ext>
+            <a:ext uri="{AF507438-7753-43E0-B8FC-AC1667EBCBE1}">
+              <a14:hiddenEffects xmlns:a14="http://schemas.microsoft.com/office/drawing/2010/main">
+                <a:effectLst>
+                  <a:outerShdw dist="35921" dir="2700000" algn="ctr" rotWithShape="0">
+                    <a:schemeClr val="bg2"/>
+                  </a:outerShdw>
+                </a:effectLst>
+              </a14:hiddenEffects>
+            </a:ext>
+          </a:extLst>
+        </p:spPr>
+        <p:txBody>
+          <a:bodyPr>
+            <a:spAutoFit/>
+          </a:bodyPr>
+          <a:lstStyle>
+            <a:lvl1pPr>
+              <a:spcBef>
+                <a:spcPct val="20000"/>
+              </a:spcBef>
+              <a:buClr>
+                <a:schemeClr val="folHlink"/>
+              </a:buClr>
+              <a:buSzPct val="60000"/>
+              <a:buFont typeface="Wingdings" panose="05000000000000000000" pitchFamily="2" charset="2"/>
+              <a:buChar char="n"/>
+              <a:defRPr sz="3200">
+                <a:solidFill>
+                  <a:schemeClr val="tx1"/>
+                </a:solidFill>
+                <a:latin typeface="Tahoma" panose="020B0604030504040204" pitchFamily="34" charset="0"/>
+                <a:ea typeface="宋体" panose="02010600030101010101" pitchFamily="2" charset="-122"/>
+              </a:defRPr>
+            </a:lvl1pPr>
+            <a:lvl2pPr marL="742950" indent="-285750">
+              <a:spcBef>
+                <a:spcPct val="20000"/>
+              </a:spcBef>
+              <a:buClr>
+                <a:schemeClr val="hlink"/>
+              </a:buClr>
+              <a:buSzPct val="55000"/>
+              <a:buFont typeface="Wingdings" panose="05000000000000000000" pitchFamily="2" charset="2"/>
+              <a:buChar char="n"/>
+              <a:defRPr sz="2800">
+                <a:solidFill>
+                  <a:schemeClr val="tx1"/>
+                </a:solidFill>
+                <a:latin typeface="Tahoma" panose="020B0604030504040204" pitchFamily="34" charset="0"/>
+                <a:ea typeface="宋体" panose="02010600030101010101" pitchFamily="2" charset="-122"/>
+              </a:defRPr>
+            </a:lvl2pPr>
+            <a:lvl3pPr marL="1143000" indent="-228600">
+              <a:spcBef>
+                <a:spcPct val="20000"/>
+              </a:spcBef>
+              <a:buClr>
+                <a:schemeClr val="folHlink"/>
+              </a:buClr>
+              <a:buSzPct val="50000"/>
+              <a:buFont typeface="Wingdings" panose="05000000000000000000" pitchFamily="2" charset="2"/>
+              <a:buChar char="n"/>
+              <a:defRPr sz="2400">
+                <a:solidFill>
+                  <a:schemeClr val="tx1"/>
+                </a:solidFill>
+                <a:latin typeface="Tahoma" panose="020B0604030504040204" pitchFamily="34" charset="0"/>
+                <a:ea typeface="宋体" panose="02010600030101010101" pitchFamily="2" charset="-122"/>
+              </a:defRPr>
+            </a:lvl3pPr>
+            <a:lvl4pPr marL="1600200" indent="-228600">
+              <a:spcBef>
+                <a:spcPct val="20000"/>
+              </a:spcBef>
+              <a:buClr>
+                <a:schemeClr val="accent2"/>
+              </a:buClr>
+              <a:buSzPct val="55000"/>
+              <a:buFont typeface="Wingdings" panose="05000000000000000000" pitchFamily="2" charset="2"/>
+              <a:buChar char="n"/>
+              <a:defRPr sz="2000">
+                <a:solidFill>
+                  <a:schemeClr val="tx1"/>
+                </a:solidFill>
+                <a:latin typeface="Tahoma" panose="020B0604030504040204" pitchFamily="34" charset="0"/>
+                <a:ea typeface="宋体" panose="02010600030101010101" pitchFamily="2" charset="-122"/>
+              </a:defRPr>
+            </a:lvl4pPr>
+            <a:lvl5pPr marL="2057400" indent="-228600">
+              <a:spcBef>
+                <a:spcPct val="20000"/>
+              </a:spcBef>
+              <a:buClr>
+                <a:schemeClr val="accent1"/>
+              </a:buClr>
+              <a:buSzPct val="50000"/>
+              <a:buFont typeface="Wingdings" panose="05000000000000000000" pitchFamily="2" charset="2"/>
+              <a:buChar char="n"/>
+              <a:defRPr sz="2000">
+                <a:solidFill>
+                  <a:schemeClr val="tx1"/>
+                </a:solidFill>
+                <a:latin typeface="Tahoma" panose="020B0604030504040204" pitchFamily="34" charset="0"/>
+                <a:ea typeface="宋体" panose="02010600030101010101" pitchFamily="2" charset="-122"/>
+              </a:defRPr>
+            </a:lvl5pPr>
+            <a:lvl6pPr marL="2514600" indent="-228600" eaLnBrk="0" fontAlgn="base" hangingPunct="0">
+              <a:spcBef>
+                <a:spcPct val="20000"/>
+              </a:spcBef>
+              <a:spcAft>
+                <a:spcPct val="0"/>
+              </a:spcAft>
+              <a:buClr>
+                <a:schemeClr val="accent1"/>
+              </a:buClr>
+              <a:buSzPct val="50000"/>
+              <a:buFont typeface="Wingdings" panose="05000000000000000000" pitchFamily="2" charset="2"/>
+              <a:buChar char="n"/>
+              <a:defRPr sz="2000">
+                <a:solidFill>
+                  <a:schemeClr val="tx1"/>
+                </a:solidFill>
+                <a:latin typeface="Tahoma" panose="020B0604030504040204" pitchFamily="34" charset="0"/>
+                <a:ea typeface="宋体" panose="02010600030101010101" pitchFamily="2" charset="-122"/>
+              </a:defRPr>
+            </a:lvl6pPr>
+            <a:lvl7pPr marL="2971800" indent="-228600" eaLnBrk="0" fontAlgn="base" hangingPunct="0">
+              <a:spcBef>
+                <a:spcPct val="20000"/>
+              </a:spcBef>
+              <a:spcAft>
+                <a:spcPct val="0"/>
+              </a:spcAft>
+              <a:buClr>
+                <a:schemeClr val="accent1"/>
+              </a:buClr>
+              <a:buSzPct val="50000"/>
+              <a:buFont typeface="Wingdings" panose="05000000000000000000" pitchFamily="2" charset="2"/>
+              <a:buChar char="n"/>
+              <a:defRPr sz="2000">
+                <a:solidFill>
+                  <a:schemeClr val="tx1"/>
+                </a:solidFill>
+                <a:latin typeface="Tahoma" panose="020B0604030504040204" pitchFamily="34" charset="0"/>
+                <a:ea typeface="宋体" panose="02010600030101010101" pitchFamily="2" charset="-122"/>
+              </a:defRPr>
+            </a:lvl7pPr>
+            <a:lvl8pPr marL="3429000" indent="-228600" eaLnBrk="0" fontAlgn="base" hangingPunct="0">
+              <a:spcBef>
+                <a:spcPct val="20000"/>
+              </a:spcBef>
+              <a:spcAft>
+                <a:spcPct val="0"/>
+              </a:spcAft>
+              <a:buClr>
+                <a:schemeClr val="accent1"/>
+              </a:buClr>
+              <a:buSzPct val="50000"/>
+              <a:buFont typeface="Wingdings" panose="05000000000000000000" pitchFamily="2" charset="2"/>
+              <a:buChar char="n"/>
+              <a:defRPr sz="2000">
+                <a:solidFill>
+                  <a:schemeClr val="tx1"/>
+                </a:solidFill>
+                <a:latin typeface="Tahoma" panose="020B0604030504040204" pitchFamily="34" charset="0"/>
+                <a:ea typeface="宋体" panose="02010600030101010101" pitchFamily="2" charset="-122"/>
+              </a:defRPr>
+            </a:lvl8pPr>
+            <a:lvl9pPr marL="3886200" indent="-228600" eaLnBrk="0" fontAlgn="base" hangingPunct="0">
+              <a:spcBef>
+                <a:spcPct val="20000"/>
+              </a:spcBef>
+              <a:spcAft>
+                <a:spcPct val="0"/>
+              </a:spcAft>
+              <a:buClr>
+                <a:schemeClr val="accent1"/>
+              </a:buClr>
+              <a:buSzPct val="50000"/>
+              <a:buFont typeface="Wingdings" panose="05000000000000000000" pitchFamily="2" charset="2"/>
+              <a:buChar char="n"/>
+              <a:defRPr sz="2000">
+                <a:solidFill>
+                  <a:schemeClr val="tx1"/>
+                </a:solidFill>
+                <a:latin typeface="Tahoma" panose="020B0604030504040204" pitchFamily="34" charset="0"/>
+                <a:ea typeface="宋体" panose="02010600030101010101" pitchFamily="2" charset="-122"/>
+              </a:defRPr>
+            </a:lvl9pPr>
+          </a:lstStyle>
+          <a:p>
+            <a:pPr eaLnBrk="1" hangingPunct="1">
+              <a:spcBef>
+                <a:spcPct val="0"/>
+              </a:spcBef>
+              <a:buClrTx/>
+              <a:buSzTx/>
+              <a:buFontTx/>
+              <a:buNone/>
+            </a:pPr>
+            <a:r>
+              <a:rPr lang="en-US" altLang="en-US" sz="1800" dirty="0"/>
+              <a:t>private void </a:t>
+            </a:r>
+            <a:r>
+              <a:rPr lang="en-US" altLang="en-US" sz="1800" dirty="0" err="1"/>
+              <a:t>RangeFormat</a:t>
+            </a:r>
+            <a:r>
+              <a:rPr lang="en-US" altLang="en-US" sz="1800" dirty="0"/>
+              <a:t>() </a:t>
+            </a:r>
+          </a:p>
+          <a:p>
+            <a:pPr eaLnBrk="1" hangingPunct="1">
+              <a:spcBef>
+                <a:spcPct val="0"/>
+              </a:spcBef>
+              <a:buClrTx/>
+              <a:buSzTx/>
+              <a:buFontTx/>
+              <a:buNone/>
+            </a:pPr>
+            <a:r>
+              <a:rPr lang="en-US" altLang="en-US" sz="1800" dirty="0"/>
+              <a:t>{ </a:t>
+            </a:r>
+          </a:p>
+          <a:p>
+            <a:pPr eaLnBrk="1" hangingPunct="1">
+              <a:spcBef>
+                <a:spcPct val="0"/>
+              </a:spcBef>
+              <a:buClrTx/>
+              <a:buSzTx/>
+              <a:buFontTx/>
+              <a:buNone/>
+            </a:pPr>
+            <a:r>
+              <a:rPr lang="en-US" altLang="en-US" sz="1800" dirty="0"/>
+              <a:t>     // Set the Range to the first paragraph. </a:t>
+            </a:r>
+          </a:p>
+          <a:p>
+            <a:pPr eaLnBrk="1" hangingPunct="1">
+              <a:spcBef>
+                <a:spcPct val="0"/>
+              </a:spcBef>
+              <a:buClrTx/>
+              <a:buSzTx/>
+              <a:buFontTx/>
+              <a:buNone/>
+            </a:pPr>
+            <a:r>
+              <a:rPr lang="en-US" altLang="en-US" sz="1800" dirty="0"/>
+              <a:t>    </a:t>
+            </a:r>
+            <a:r>
+              <a:rPr lang="en-US" altLang="en-US" sz="1800" dirty="0" err="1"/>
+              <a:t>Word.Range</a:t>
+            </a:r>
+            <a:r>
+              <a:rPr lang="en-US" altLang="en-US" sz="1800" dirty="0"/>
+              <a:t> </a:t>
+            </a:r>
+            <a:r>
+              <a:rPr lang="en-US" altLang="en-US" sz="1800" dirty="0" err="1"/>
+              <a:t>rng</a:t>
+            </a:r>
+            <a:r>
+              <a:rPr lang="en-US" altLang="en-US" sz="1800" dirty="0"/>
+              <a:t> = </a:t>
+            </a:r>
+            <a:r>
+              <a:rPr lang="en-US" altLang="en-US" sz="1800" dirty="0" err="1"/>
+              <a:t>this.Paragraphs</a:t>
+            </a:r>
+            <a:r>
+              <a:rPr lang="en-US" altLang="en-US" sz="1800" dirty="0"/>
+              <a:t>[1].Range; </a:t>
+            </a:r>
+          </a:p>
+          <a:p>
+            <a:pPr eaLnBrk="1" hangingPunct="1">
+              <a:spcBef>
+                <a:spcPct val="0"/>
+              </a:spcBef>
+              <a:buClrTx/>
+              <a:buSzTx/>
+              <a:buFontTx/>
+              <a:buNone/>
+            </a:pPr>
+            <a:endParaRPr lang="en-US" altLang="en-US" sz="1800" dirty="0"/>
+          </a:p>
+          <a:p>
+            <a:pPr eaLnBrk="1" hangingPunct="1">
+              <a:spcBef>
+                <a:spcPct val="0"/>
+              </a:spcBef>
+              <a:buClrTx/>
+              <a:buSzTx/>
+              <a:buFontTx/>
+              <a:buNone/>
+            </a:pPr>
+            <a:r>
+              <a:rPr lang="en-US" altLang="en-US" sz="1800" dirty="0"/>
+              <a:t>    // Change the formatting. </a:t>
+            </a:r>
+          </a:p>
+          <a:p>
+            <a:pPr eaLnBrk="1" hangingPunct="1">
+              <a:spcBef>
+                <a:spcPct val="0"/>
+              </a:spcBef>
+              <a:buClrTx/>
+              <a:buSzTx/>
+              <a:buFontTx/>
+              <a:buNone/>
+            </a:pPr>
+            <a:r>
+              <a:rPr lang="en-US" altLang="en-US" sz="1800" dirty="0"/>
+              <a:t>    </a:t>
+            </a:r>
+            <a:r>
+              <a:rPr lang="en-US" altLang="en-US" sz="1800" dirty="0" err="1"/>
+              <a:t>rng.Font.Size</a:t>
+            </a:r>
+            <a:r>
+              <a:rPr lang="en-US" altLang="en-US" sz="1800" dirty="0"/>
+              <a:t> = 14; </a:t>
+            </a:r>
+          </a:p>
+          <a:p>
+            <a:pPr eaLnBrk="1" hangingPunct="1">
+              <a:spcBef>
+                <a:spcPct val="0"/>
+              </a:spcBef>
+              <a:buClrTx/>
+              <a:buSzTx/>
+              <a:buFontTx/>
+              <a:buNone/>
+            </a:pPr>
+            <a:r>
+              <a:rPr lang="en-US" altLang="en-US" sz="1800" dirty="0"/>
+              <a:t>    </a:t>
+            </a:r>
+            <a:r>
+              <a:rPr lang="en-US" altLang="en-US" sz="1800" dirty="0" err="1"/>
+              <a:t>rng.Font.Name</a:t>
+            </a:r>
+            <a:r>
+              <a:rPr lang="en-US" altLang="en-US" sz="1800" dirty="0"/>
+              <a:t> = "Arial"; </a:t>
+            </a:r>
+          </a:p>
+          <a:p>
+            <a:pPr eaLnBrk="1" hangingPunct="1">
+              <a:spcBef>
+                <a:spcPct val="0"/>
+              </a:spcBef>
+              <a:buClrTx/>
+              <a:buSzTx/>
+              <a:buFontTx/>
+              <a:buNone/>
+            </a:pPr>
+            <a:r>
+              <a:rPr lang="en-US" altLang="en-US" sz="1800" dirty="0"/>
+              <a:t>    </a:t>
+            </a:r>
+            <a:r>
+              <a:rPr lang="en-US" altLang="en-US" sz="1800" dirty="0" err="1"/>
+              <a:t>rng.ParagraphFormat.Alignment</a:t>
+            </a:r>
+            <a:r>
+              <a:rPr lang="en-US" altLang="en-US" sz="1800" dirty="0"/>
+              <a:t> = </a:t>
+            </a:r>
+            <a:r>
+              <a:rPr lang="en-US" altLang="en-US" sz="1800" dirty="0" err="1"/>
+              <a:t>Word.WdParagraphAlignment.wdAlignParagraphCenter</a:t>
+            </a:r>
+            <a:r>
+              <a:rPr lang="en-US" altLang="en-US" sz="1800" dirty="0"/>
+              <a:t>;</a:t>
+            </a:r>
+          </a:p>
+          <a:p>
+            <a:pPr eaLnBrk="1" hangingPunct="1">
+              <a:spcBef>
+                <a:spcPct val="0"/>
+              </a:spcBef>
+              <a:buClrTx/>
+              <a:buSzTx/>
+              <a:buFontTx/>
+              <a:buNone/>
+            </a:pPr>
+            <a:r>
+              <a:rPr lang="en-US" altLang="en-US" sz="1800" dirty="0"/>
+              <a:t>  </a:t>
+            </a:r>
+          </a:p>
+          <a:p>
+            <a:pPr eaLnBrk="1" hangingPunct="1">
+              <a:spcBef>
+                <a:spcPct val="0"/>
+              </a:spcBef>
+              <a:buClrTx/>
+              <a:buSzTx/>
+              <a:buFontTx/>
+              <a:buNone/>
+            </a:pPr>
+            <a:r>
+              <a:rPr lang="en-US" altLang="en-US" sz="1800" dirty="0"/>
+              <a:t>    // Apply the Normal Indent style. </a:t>
+            </a:r>
+          </a:p>
+          <a:p>
+            <a:pPr eaLnBrk="1" hangingPunct="1">
+              <a:spcBef>
+                <a:spcPct val="0"/>
+              </a:spcBef>
+              <a:buClrTx/>
+              <a:buSzTx/>
+              <a:buFontTx/>
+              <a:buNone/>
+            </a:pPr>
+            <a:r>
+              <a:rPr lang="en-US" altLang="en-US" sz="1800" dirty="0"/>
+              <a:t>    object </a:t>
+            </a:r>
+            <a:r>
+              <a:rPr lang="en-US" altLang="en-US" sz="1800" dirty="0" err="1"/>
+              <a:t>indentStyle</a:t>
+            </a:r>
+            <a:r>
+              <a:rPr lang="en-US" altLang="en-US" sz="1800" dirty="0"/>
+              <a:t> = "Normal Indent"; </a:t>
+            </a:r>
+          </a:p>
+          <a:p>
+            <a:pPr eaLnBrk="1" hangingPunct="1">
+              <a:spcBef>
+                <a:spcPct val="0"/>
+              </a:spcBef>
+              <a:buClrTx/>
+              <a:buSzTx/>
+              <a:buFontTx/>
+              <a:buNone/>
+            </a:pPr>
+            <a:r>
+              <a:rPr lang="en-US" altLang="en-US" sz="1800" dirty="0"/>
+              <a:t>    </a:t>
+            </a:r>
+            <a:r>
+              <a:rPr lang="en-US" altLang="en-US" sz="1800" dirty="0" err="1"/>
+              <a:t>rng.set_Style</a:t>
+            </a:r>
+            <a:r>
+              <a:rPr lang="en-US" altLang="en-US" sz="1800" dirty="0"/>
+              <a:t>(ref </a:t>
+            </a:r>
+            <a:r>
+              <a:rPr lang="en-US" altLang="en-US" sz="1800" dirty="0" err="1"/>
+              <a:t>indentStyle</a:t>
+            </a:r>
+            <a:r>
+              <a:rPr lang="en-US" altLang="en-US" sz="1800" dirty="0"/>
+              <a:t>); </a:t>
+            </a:r>
+          </a:p>
+          <a:p>
+            <a:pPr eaLnBrk="1" hangingPunct="1">
+              <a:spcBef>
+                <a:spcPct val="0"/>
+              </a:spcBef>
+              <a:buClrTx/>
+              <a:buSzTx/>
+              <a:buFontTx/>
+              <a:buNone/>
+            </a:pPr>
+            <a:r>
+              <a:rPr lang="en-US" altLang="en-US" sz="1800" dirty="0"/>
+              <a:t>}</a:t>
+            </a:r>
+            <a:endParaRPr lang="en-US" altLang="zh-CN" sz="1800" dirty="0"/>
+          </a:p>
+        </p:txBody>
+      </p:sp>
+    </p:spTree>
+    <p:extLst>
+      <p:ext uri="{BB962C8B-B14F-4D97-AF65-F5344CB8AC3E}">
+        <p14:creationId xmlns:p14="http://schemas.microsoft.com/office/powerpoint/2010/main" val="3667952313"/>
+      </p:ext>
+    </p:extLst>
+  </p:cSld>
+  <p:clrMapOvr>
+    <a:masterClrMapping/>
+  </p:clrMapOvr>
+</p:sld>
+</file>
+
+<file path=ppt/slides/slide51.xml><?xml version="1.0" encoding="utf-8"?>
+<p:sld xmlns:a="http://schemas.openxmlformats.org/drawingml/2006/main" xmlns:r="http://schemas.openxmlformats.org/officeDocument/2006/relationships" xmlns:p="http://schemas.openxmlformats.org/presentationml/2006/main">
+  <p:cSld>
+    <p:spTree>
+      <p:nvGrpSpPr>
+        <p:cNvPr id="1" name=""/>
+        <p:cNvGrpSpPr/>
+        <p:nvPr/>
+      </p:nvGrpSpPr>
+      <p:grpSpPr>
+        <a:xfrm>
+          <a:off x="0" y="0"/>
+          <a:ext cx="0" cy="0"/>
+          <a:chOff x="0" y="0"/>
+          <a:chExt cx="0" cy="0"/>
+        </a:xfrm>
+      </p:grpSpPr>
+      <p:sp>
+        <p:nvSpPr>
           <p:cNvPr id="38915" name="Rectangle 2"/>
           <p:cNvSpPr>
             <a:spLocks noGrp="1" noChangeArrowheads="1"/>
@@ -26734,7 +27156,7 @@
 </p:sld>
 </file>
 
-<file path=ppt/slides/slide51.xml><?xml version="1.0" encoding="utf-8"?>
+<file path=ppt/slides/slide52.xml><?xml version="1.0" encoding="utf-8"?>
 <p:sld xmlns:a="http://schemas.openxmlformats.org/drawingml/2006/main" xmlns:r="http://schemas.openxmlformats.org/officeDocument/2006/relationships" xmlns:p="http://schemas.openxmlformats.org/presentationml/2006/main">
   <p:cSld>
     <p:spTree>
@@ -26829,7 +27251,7 @@
 </p:sld>
 </file>
 
-<file path=ppt/slides/slide52.xml><?xml version="1.0" encoding="utf-8"?>
+<file path=ppt/slides/slide53.xml><?xml version="1.0" encoding="utf-8"?>
 <p:sld xmlns:a="http://schemas.openxmlformats.org/drawingml/2006/main" xmlns:r="http://schemas.openxmlformats.org/officeDocument/2006/relationships" xmlns:p="http://schemas.openxmlformats.org/presentationml/2006/main">
   <p:cSld>
     <p:spTree>
@@ -26945,7 +27367,7 @@
 </p:sld>
 </file>
 
-<file path=ppt/slides/slide53.xml><?xml version="1.0" encoding="utf-8"?>
+<file path=ppt/slides/slide54.xml><?xml version="1.0" encoding="utf-8"?>
 <p:sld xmlns:a="http://schemas.openxmlformats.org/drawingml/2006/main" xmlns:r="http://schemas.openxmlformats.org/officeDocument/2006/relationships" xmlns:p="http://schemas.openxmlformats.org/presentationml/2006/main">
   <p:cSld>
     <p:spTree>
@@ -27040,7 +27462,7 @@
 </p:sld>
 </file>
 
-<file path=ppt/slides/slide54.xml><?xml version="1.0" encoding="utf-8"?>
+<file path=ppt/slides/slide55.xml><?xml version="1.0" encoding="utf-8"?>
 <p:sld xmlns:a="http://schemas.openxmlformats.org/drawingml/2006/main" xmlns:r="http://schemas.openxmlformats.org/officeDocument/2006/relationships" xmlns:p="http://schemas.openxmlformats.org/presentationml/2006/main">
   <p:cSld>
     <p:spTree>
@@ -27152,7 +27574,7 @@
 </p:sld>
 </file>
 
-<file path=ppt/slides/slide55.xml><?xml version="1.0" encoding="utf-8"?>
+<file path=ppt/slides/slide56.xml><?xml version="1.0" encoding="utf-8"?>
 <p:sld xmlns:a="http://schemas.openxmlformats.org/drawingml/2006/main" xmlns:r="http://schemas.openxmlformats.org/officeDocument/2006/relationships" xmlns:p="http://schemas.openxmlformats.org/presentationml/2006/main">
   <p:cSld>
     <p:spTree>
@@ -27254,7 +27676,7 @@
 </p:sld>
 </file>
 
-<file path=ppt/slides/slide56.xml><?xml version="1.0" encoding="utf-8"?>
+<file path=ppt/slides/slide57.xml><?xml version="1.0" encoding="utf-8"?>
 <p:sld xmlns:a="http://schemas.openxmlformats.org/drawingml/2006/main" xmlns:r="http://schemas.openxmlformats.org/officeDocument/2006/relationships" xmlns:p="http://schemas.openxmlformats.org/presentationml/2006/main">
   <p:cSld>
     <p:spTree>
@@ -27349,7 +27771,7 @@
 </p:sld>
 </file>
 
-<file path=ppt/slides/slide57.xml><?xml version="1.0" encoding="utf-8"?>
+<file path=ppt/slides/slide58.xml><?xml version="1.0" encoding="utf-8"?>
 <p:sld xmlns:a="http://schemas.openxmlformats.org/drawingml/2006/main" xmlns:r="http://schemas.openxmlformats.org/officeDocument/2006/relationships" xmlns:p="http://schemas.openxmlformats.org/presentationml/2006/main">
   <p:cSld>
     <p:spTree>
@@ -27459,114 +27881,6 @@
     <p:extLst>
       <p:ext uri="{BB962C8B-B14F-4D97-AF65-F5344CB8AC3E}">
         <p14:creationId xmlns:p14="http://schemas.microsoft.com/office/powerpoint/2010/main" val="59884843"/>
-      </p:ext>
-    </p:extLst>
-  </p:cSld>
-  <p:clrMapOvr>
-    <a:masterClrMapping/>
-  </p:clrMapOvr>
-</p:sld>
-</file>
-
-<file path=ppt/slides/slide58.xml><?xml version="1.0" encoding="utf-8"?>
-<p:sld xmlns:a="http://schemas.openxmlformats.org/drawingml/2006/main" xmlns:r="http://schemas.openxmlformats.org/officeDocument/2006/relationships" xmlns:p="http://schemas.openxmlformats.org/presentationml/2006/main">
-  <p:cSld>
-    <p:spTree>
-      <p:nvGrpSpPr>
-        <p:cNvPr id="1" name=""/>
-        <p:cNvGrpSpPr/>
-        <p:nvPr/>
-      </p:nvGrpSpPr>
-      <p:grpSpPr>
-        <a:xfrm>
-          <a:off x="0" y="0"/>
-          <a:ext cx="0" cy="0"/>
-          <a:chOff x="0" y="0"/>
-          <a:chExt cx="0" cy="0"/>
-        </a:xfrm>
-      </p:grpSpPr>
-      <p:sp>
-        <p:nvSpPr>
-          <p:cNvPr id="48131" name="Rectangle 2"/>
-          <p:cNvSpPr>
-            <a:spLocks noGrp="1" noChangeArrowheads="1"/>
-          </p:cNvSpPr>
-          <p:nvPr>
-            <p:ph type="title" idx="4294967295"/>
-          </p:nvPr>
-        </p:nvSpPr>
-        <p:spPr>
-          <a:xfrm>
-            <a:off x="588872" y="1455978"/>
-            <a:ext cx="11410122" cy="727075"/>
-          </a:xfrm>
-        </p:spPr>
-        <p:txBody>
-          <a:bodyPr>
-            <a:normAutofit/>
-          </a:bodyPr>
-          <a:lstStyle/>
-          <a:p>
-            <a:r>
-              <a:rPr lang="en-US" altLang="zh-CN" sz="3600" dirty="0"/>
-              <a:t>Word</a:t>
-            </a:r>
-            <a:r>
-              <a:rPr lang="zh-CN" altLang="en-US" sz="3600" dirty="0"/>
-              <a:t>中插入图片</a:t>
-            </a:r>
-            <a:r>
-              <a:rPr lang="en-US" altLang="zh-CN" sz="3600" dirty="0" err="1"/>
-              <a:t>InlineShapes.AddPicture</a:t>
-            </a:r>
-            <a:endParaRPr lang="zh-CN" altLang="en-US" sz="3600" dirty="0"/>
-          </a:p>
-        </p:txBody>
-      </p:sp>
-      <p:sp>
-        <p:nvSpPr>
-          <p:cNvPr id="48132" name="Rectangle 3"/>
-          <p:cNvSpPr>
-            <a:spLocks noGrp="1" noChangeArrowheads="1"/>
-          </p:cNvSpPr>
-          <p:nvPr>
-            <p:ph type="body" idx="4294967295"/>
-          </p:nvPr>
-        </p:nvSpPr>
-        <p:spPr>
-          <a:xfrm>
-            <a:off x="1995777" y="2698005"/>
-            <a:ext cx="8596313" cy="1866900"/>
-          </a:xfrm>
-        </p:spPr>
-        <p:txBody>
-          <a:bodyPr>
-            <a:normAutofit/>
-          </a:bodyPr>
-          <a:lstStyle/>
-          <a:p>
-            <a:r>
-              <a:rPr lang="en-US" altLang="zh-CN" sz="3200" dirty="0" err="1"/>
-              <a:t>currentSelection.InlineShapes.AddPicture</a:t>
-            </a:r>
-            <a:r>
-              <a:rPr lang="en-US" altLang="zh-CN" sz="3200" dirty="0"/>
-              <a:t>(@"D:\stu\cword\zsc-logo.png",</a:t>
-            </a:r>
-            <a:br>
-              <a:rPr lang="en-US" altLang="zh-CN" sz="3200" dirty="0"/>
-            </a:br>
-            <a:r>
-              <a:rPr lang="en-US" altLang="zh-CN" sz="3200" dirty="0"/>
-              <a:t>ref missing, ref missing, ref missing);</a:t>
-            </a:r>
-          </a:p>
-        </p:txBody>
-      </p:sp>
-    </p:spTree>
-    <p:extLst>
-      <p:ext uri="{BB962C8B-B14F-4D97-AF65-F5344CB8AC3E}">
-        <p14:creationId xmlns:p14="http://schemas.microsoft.com/office/powerpoint/2010/main" val="198797536"/>
       </p:ext>
     </p:extLst>
   </p:cSld>
@@ -27605,23 +27919,29 @@
         </p:nvSpPr>
         <p:spPr>
           <a:xfrm>
-            <a:off x="2783910" y="1172154"/>
-            <a:ext cx="7569642" cy="727075"/>
+            <a:off x="588872" y="1455978"/>
+            <a:ext cx="11410122" cy="727075"/>
           </a:xfrm>
         </p:spPr>
         <p:txBody>
-          <a:bodyPr/>
+          <a:bodyPr>
+            <a:normAutofit/>
+          </a:bodyPr>
           <a:lstStyle/>
           <a:p>
-            <a:pPr eaLnBrk="1" hangingPunct="1"/>
-            <a:r>
-              <a:rPr lang="en-US" altLang="zh-CN" dirty="0"/>
+            <a:r>
+              <a:rPr lang="en-US" altLang="zh-CN" sz="3600" dirty="0"/>
               <a:t>Word</a:t>
             </a:r>
             <a:r>
-              <a:rPr lang="zh-CN" altLang="en-US" dirty="0"/>
-              <a:t>对象的结束和释放</a:t>
-            </a:r>
+              <a:rPr lang="zh-CN" altLang="en-US" sz="3600" dirty="0"/>
+              <a:t>中插入图片</a:t>
+            </a:r>
+            <a:r>
+              <a:rPr lang="en-US" altLang="zh-CN" sz="3600" dirty="0" err="1"/>
+              <a:t>InlineShapes.AddPicture</a:t>
+            </a:r>
+            <a:endParaRPr lang="zh-CN" altLang="en-US" sz="3600" dirty="0"/>
           </a:p>
         </p:txBody>
       </p:sp>
@@ -27637,8 +27957,8 @@
         </p:nvSpPr>
         <p:spPr>
           <a:xfrm>
-            <a:off x="1821247" y="2435074"/>
-            <a:ext cx="8596313" cy="1868487"/>
+            <a:off x="1995777" y="2698005"/>
+            <a:ext cx="8596313" cy="1866900"/>
           </a:xfrm>
         </p:spPr>
         <p:txBody>
@@ -27647,48 +27967,28 @@
           </a:bodyPr>
           <a:lstStyle/>
           <a:p>
-            <a:pPr eaLnBrk="1" hangingPunct="1"/>
             <a:r>
               <a:rPr lang="en-US" altLang="zh-CN" sz="3200" dirty="0" err="1"/>
-              <a:t>oWordApplic.Quit</a:t>
-            </a:r>
-            <a:r>
-              <a:rPr lang="zh-CN" altLang="en-US" sz="3200" dirty="0"/>
-              <a:t>方法</a:t>
-            </a:r>
-          </a:p>
-          <a:p>
-            <a:pPr eaLnBrk="1" hangingPunct="1"/>
-            <a:r>
-              <a:rPr lang="en-US" altLang="zh-CN" sz="3200" dirty="0" err="1"/>
-              <a:t>System.Runtime.InteropServices.Marshal</a:t>
+              <a:t>currentSelection.InlineShapes.AddPicture</a:t>
+            </a:r>
+            <a:r>
+              <a:rPr lang="en-US" altLang="zh-CN" sz="3200" dirty="0"/>
+              <a:t>(@"D:\stu\cword\zsc-logo.png",</a:t>
             </a:r>
             <a:br>
               <a:rPr lang="en-US" altLang="zh-CN" sz="3200" dirty="0"/>
             </a:br>
             <a:r>
               <a:rPr lang="en-US" altLang="zh-CN" sz="3200" dirty="0"/>
-              <a:t>.</a:t>
-            </a:r>
-            <a:r>
-              <a:rPr lang="en-US" altLang="zh-CN" sz="3200" dirty="0" err="1"/>
-              <a:t>ReleaseComObject</a:t>
-            </a:r>
-            <a:r>
-              <a:rPr lang="en-US" altLang="zh-CN" sz="3200" dirty="0"/>
-              <a:t>()</a:t>
-            </a:r>
-          </a:p>
-          <a:p>
-            <a:pPr eaLnBrk="1" hangingPunct="1"/>
-            <a:endParaRPr lang="en-US" altLang="zh-CN" sz="3200" dirty="0"/>
+              <a:t>ref missing, ref missing, ref missing);</a:t>
+            </a:r>
           </a:p>
         </p:txBody>
       </p:sp>
     </p:spTree>
     <p:extLst>
       <p:ext uri="{BB962C8B-B14F-4D97-AF65-F5344CB8AC3E}">
-        <p14:creationId xmlns:p14="http://schemas.microsoft.com/office/powerpoint/2010/main" val="1892350984"/>
+        <p14:creationId xmlns:p14="http://schemas.microsoft.com/office/powerpoint/2010/main" val="198797536"/>
       </p:ext>
     </p:extLst>
   </p:cSld>
@@ -27892,6 +28192,128 @@
       </p:grpSpPr>
       <p:sp>
         <p:nvSpPr>
+          <p:cNvPr id="48131" name="Rectangle 2"/>
+          <p:cNvSpPr>
+            <a:spLocks noGrp="1" noChangeArrowheads="1"/>
+          </p:cNvSpPr>
+          <p:nvPr>
+            <p:ph type="title" idx="4294967295"/>
+          </p:nvPr>
+        </p:nvSpPr>
+        <p:spPr>
+          <a:xfrm>
+            <a:off x="2783910" y="1172154"/>
+            <a:ext cx="7569642" cy="727075"/>
+          </a:xfrm>
+        </p:spPr>
+        <p:txBody>
+          <a:bodyPr/>
+          <a:lstStyle/>
+          <a:p>
+            <a:pPr eaLnBrk="1" hangingPunct="1"/>
+            <a:r>
+              <a:rPr lang="en-US" altLang="zh-CN" dirty="0"/>
+              <a:t>Word</a:t>
+            </a:r>
+            <a:r>
+              <a:rPr lang="zh-CN" altLang="en-US" dirty="0"/>
+              <a:t>对象的结束和释放</a:t>
+            </a:r>
+          </a:p>
+        </p:txBody>
+      </p:sp>
+      <p:sp>
+        <p:nvSpPr>
+          <p:cNvPr id="48132" name="Rectangle 3"/>
+          <p:cNvSpPr>
+            <a:spLocks noGrp="1" noChangeArrowheads="1"/>
+          </p:cNvSpPr>
+          <p:nvPr>
+            <p:ph type="body" idx="4294967295"/>
+          </p:nvPr>
+        </p:nvSpPr>
+        <p:spPr>
+          <a:xfrm>
+            <a:off x="1821247" y="2435074"/>
+            <a:ext cx="8596313" cy="1868487"/>
+          </a:xfrm>
+        </p:spPr>
+        <p:txBody>
+          <a:bodyPr>
+            <a:normAutofit/>
+          </a:bodyPr>
+          <a:lstStyle/>
+          <a:p>
+            <a:pPr eaLnBrk="1" hangingPunct="1"/>
+            <a:r>
+              <a:rPr lang="en-US" altLang="zh-CN" sz="3200" dirty="0" err="1"/>
+              <a:t>oWordApplic.Quit</a:t>
+            </a:r>
+            <a:r>
+              <a:rPr lang="zh-CN" altLang="en-US" sz="3200" dirty="0"/>
+              <a:t>方法</a:t>
+            </a:r>
+          </a:p>
+          <a:p>
+            <a:pPr eaLnBrk="1" hangingPunct="1"/>
+            <a:r>
+              <a:rPr lang="en-US" altLang="zh-CN" sz="3200" dirty="0" err="1"/>
+              <a:t>System.Runtime.InteropServices.Marshal</a:t>
+            </a:r>
+            <a:br>
+              <a:rPr lang="en-US" altLang="zh-CN" sz="3200" dirty="0"/>
+            </a:br>
+            <a:r>
+              <a:rPr lang="en-US" altLang="zh-CN" sz="3200" dirty="0"/>
+              <a:t>.</a:t>
+            </a:r>
+            <a:r>
+              <a:rPr lang="en-US" altLang="zh-CN" sz="3200" dirty="0" err="1"/>
+              <a:t>ReleaseComObject</a:t>
+            </a:r>
+            <a:r>
+              <a:rPr lang="en-US" altLang="zh-CN" sz="3200" dirty="0"/>
+              <a:t>()</a:t>
+            </a:r>
+          </a:p>
+          <a:p>
+            <a:pPr eaLnBrk="1" hangingPunct="1"/>
+            <a:endParaRPr lang="en-US" altLang="zh-CN" sz="3200" dirty="0"/>
+          </a:p>
+        </p:txBody>
+      </p:sp>
+    </p:spTree>
+    <p:extLst>
+      <p:ext uri="{BB962C8B-B14F-4D97-AF65-F5344CB8AC3E}">
+        <p14:creationId xmlns:p14="http://schemas.microsoft.com/office/powerpoint/2010/main" val="1892350984"/>
+      </p:ext>
+    </p:extLst>
+  </p:cSld>
+  <p:clrMapOvr>
+    <a:masterClrMapping/>
+  </p:clrMapOvr>
+</p:sld>
+</file>
+
+<file path=ppt/slides/slide61.xml><?xml version="1.0" encoding="utf-8"?>
+<p:sld xmlns:a="http://schemas.openxmlformats.org/drawingml/2006/main" xmlns:r="http://schemas.openxmlformats.org/officeDocument/2006/relationships" xmlns:p="http://schemas.openxmlformats.org/presentationml/2006/main">
+  <p:cSld>
+    <p:spTree>
+      <p:nvGrpSpPr>
+        <p:cNvPr id="1" name=""/>
+        <p:cNvGrpSpPr/>
+        <p:nvPr/>
+      </p:nvGrpSpPr>
+      <p:grpSpPr>
+        <a:xfrm>
+          <a:off x="0" y="0"/>
+          <a:ext cx="0" cy="0"/>
+          <a:chOff x="0" y="0"/>
+          <a:chExt cx="0" cy="0"/>
+        </a:xfrm>
+      </p:grpSpPr>
+      <p:sp>
+        <p:nvSpPr>
           <p:cNvPr id="49155" name="Rectangle 2"/>
           <p:cNvSpPr>
             <a:spLocks noGrp="1" noChangeArrowheads="1"/>
@@ -28048,7 +28470,7 @@
 </p:sld>
 </file>
 
-<file path=ppt/slides/slide61.xml><?xml version="1.0" encoding="utf-8"?>
+<file path=ppt/slides/slide62.xml><?xml version="1.0" encoding="utf-8"?>
 <p:sld xmlns:a="http://schemas.openxmlformats.org/drawingml/2006/main" xmlns:r="http://schemas.openxmlformats.org/officeDocument/2006/relationships" xmlns:p="http://schemas.openxmlformats.org/presentationml/2006/main">
   <p:cSld>
     <p:spTree>
@@ -28180,7 +28602,7 @@
 </p:sld>
 </file>
 
-<file path=ppt/slides/slide62.xml><?xml version="1.0" encoding="utf-8"?>
+<file path=ppt/slides/slide63.xml><?xml version="1.0" encoding="utf-8"?>
 <p:sld xmlns:a="http://schemas.openxmlformats.org/drawingml/2006/main" xmlns:r="http://schemas.openxmlformats.org/officeDocument/2006/relationships" xmlns:p="http://schemas.openxmlformats.org/presentationml/2006/main">
   <p:cSld>
     <p:spTree>
@@ -28374,7 +28796,7 @@
 </p:sld>
 </file>
 
-<file path=ppt/slides/slide63.xml><?xml version="1.0" encoding="utf-8"?>
+<file path=ppt/slides/slide64.xml><?xml version="1.0" encoding="utf-8"?>
 <p:sld xmlns:a="http://schemas.openxmlformats.org/drawingml/2006/main" xmlns:r="http://schemas.openxmlformats.org/officeDocument/2006/relationships" xmlns:p="http://schemas.openxmlformats.org/presentationml/2006/main">
   <p:cSld>
     <p:spTree>
@@ -28524,7 +28946,7 @@
 </p:sld>
 </file>
 
-<file path=ppt/slides/slide64.xml><?xml version="1.0" encoding="utf-8"?>
+<file path=ppt/slides/slide65.xml><?xml version="1.0" encoding="utf-8"?>
 <p:sld xmlns:a="http://schemas.openxmlformats.org/drawingml/2006/main" xmlns:r="http://schemas.openxmlformats.org/officeDocument/2006/relationships" xmlns:p="http://schemas.openxmlformats.org/presentationml/2006/main">
   <p:cSld>
     <p:spTree>
@@ -28660,7 +29082,7 @@
 </p:sld>
 </file>
 
-<file path=ppt/slides/slide65.xml><?xml version="1.0" encoding="utf-8"?>
+<file path=ppt/slides/slide66.xml><?xml version="1.0" encoding="utf-8"?>
 <p:sld xmlns:a="http://schemas.openxmlformats.org/drawingml/2006/main" xmlns:r="http://schemas.openxmlformats.org/officeDocument/2006/relationships" xmlns:p="http://schemas.openxmlformats.org/presentationml/2006/main">
   <p:cSld>
     <p:spTree>
@@ -28872,7 +29294,7 @@
 </p:sld>
 </file>
 
-<file path=ppt/slides/slide66.xml><?xml version="1.0" encoding="utf-8"?>
+<file path=ppt/slides/slide67.xml><?xml version="1.0" encoding="utf-8"?>
 <p:sld xmlns:a="http://schemas.openxmlformats.org/drawingml/2006/main" xmlns:r="http://schemas.openxmlformats.org/officeDocument/2006/relationships" xmlns:p="http://schemas.openxmlformats.org/presentationml/2006/main">
   <p:cSld>
     <p:spTree>
@@ -29332,7 +29754,7 @@
 </p:sld>
 </file>
 
-<file path=ppt/slides/slide67.xml><?xml version="1.0" encoding="utf-8"?>
+<file path=ppt/slides/slide68.xml><?xml version="1.0" encoding="utf-8"?>
 <p:sld xmlns:a="http://schemas.openxmlformats.org/drawingml/2006/main" xmlns:r="http://schemas.openxmlformats.org/officeDocument/2006/relationships" xmlns:p="http://schemas.openxmlformats.org/presentationml/2006/main">
   <p:cSld>
     <p:spTree>
@@ -29444,7 +29866,7 @@
 </p:sld>
 </file>
 
-<file path=ppt/slides/slide68.xml><?xml version="1.0" encoding="utf-8"?>
+<file path=ppt/slides/slide69.xml><?xml version="1.0" encoding="utf-8"?>
 <p:sld xmlns:a="http://schemas.openxmlformats.org/drawingml/2006/main" xmlns:r="http://schemas.openxmlformats.org/officeDocument/2006/relationships" xmlns:p="http://schemas.openxmlformats.org/presentationml/2006/main">
   <p:cSld>
     <p:spTree>
@@ -29651,111 +30073,6 @@
     <p:extLst>
       <p:ext uri="{BB962C8B-B14F-4D97-AF65-F5344CB8AC3E}">
         <p14:creationId xmlns:p14="http://schemas.microsoft.com/office/powerpoint/2010/main" val="1793410961"/>
-      </p:ext>
-    </p:extLst>
-  </p:cSld>
-  <p:clrMapOvr>
-    <a:masterClrMapping/>
-  </p:clrMapOvr>
-</p:sld>
-</file>
-
-<file path=ppt/slides/slide69.xml><?xml version="1.0" encoding="utf-8"?>
-<p:sld xmlns:a="http://schemas.openxmlformats.org/drawingml/2006/main" xmlns:r="http://schemas.openxmlformats.org/officeDocument/2006/relationships" xmlns:p="http://schemas.openxmlformats.org/presentationml/2006/main">
-  <p:cSld>
-    <p:spTree>
-      <p:nvGrpSpPr>
-        <p:cNvPr id="1" name=""/>
-        <p:cNvGrpSpPr/>
-        <p:nvPr/>
-      </p:nvGrpSpPr>
-      <p:grpSpPr>
-        <a:xfrm>
-          <a:off x="0" y="0"/>
-          <a:ext cx="0" cy="0"/>
-          <a:chOff x="0" y="0"/>
-          <a:chExt cx="0" cy="0"/>
-        </a:xfrm>
-      </p:grpSpPr>
-      <p:sp>
-        <p:nvSpPr>
-          <p:cNvPr id="14339" name="Rectangle 2"/>
-          <p:cNvSpPr>
-            <a:spLocks noGrp="1" noChangeArrowheads="1"/>
-          </p:cNvSpPr>
-          <p:nvPr>
-            <p:ph type="title" idx="4294967295"/>
-          </p:nvPr>
-        </p:nvSpPr>
-        <p:spPr>
-          <a:xfrm>
-            <a:off x="1701578" y="1985176"/>
-            <a:ext cx="6003235" cy="684213"/>
-          </a:xfrm>
-        </p:spPr>
-        <p:txBody>
-          <a:bodyPr/>
-          <a:lstStyle/>
-          <a:p>
-            <a:pPr eaLnBrk="1" hangingPunct="1"/>
-            <a:r>
-              <a:rPr lang="zh-CN" altLang="en-US" dirty="0"/>
-              <a:t>引用</a:t>
-            </a:r>
-            <a:r>
-              <a:rPr lang="en-US" altLang="zh-CN" dirty="0"/>
-              <a:t>Worksheets</a:t>
-            </a:r>
-          </a:p>
-        </p:txBody>
-      </p:sp>
-      <p:sp>
-        <p:nvSpPr>
-          <p:cNvPr id="14340" name="Rectangle 3"/>
-          <p:cNvSpPr>
-            <a:spLocks noGrp="1" noChangeArrowheads="1"/>
-          </p:cNvSpPr>
-          <p:nvPr>
-            <p:ph type="body" idx="4294967295"/>
-          </p:nvPr>
-        </p:nvSpPr>
-        <p:spPr>
-          <a:xfrm>
-            <a:off x="2178658" y="3400660"/>
-            <a:ext cx="6297613" cy="1306512"/>
-          </a:xfrm>
-        </p:spPr>
-        <p:txBody>
-          <a:bodyPr>
-            <a:noAutofit/>
-          </a:bodyPr>
-          <a:lstStyle/>
-          <a:p>
-            <a:pPr eaLnBrk="1" hangingPunct="1"/>
-            <a:r>
-              <a:rPr lang="en-US" altLang="zh-CN" sz="2800" dirty="0">
-                <a:latin typeface="微软雅黑" panose="020B0503020204020204" pitchFamily="34" charset="-122"/>
-                <a:ea typeface="微软雅黑" panose="020B0503020204020204" pitchFamily="34" charset="-122"/>
-              </a:rPr>
-              <a:t>Worksheets(1).Activate </a:t>
-            </a:r>
-          </a:p>
-          <a:p>
-            <a:pPr eaLnBrk="1" hangingPunct="1"/>
-            <a:r>
-              <a:rPr lang="en-US" altLang="zh-CN" sz="2800" dirty="0">
-                <a:latin typeface="微软雅黑" panose="020B0503020204020204" pitchFamily="34" charset="-122"/>
-                <a:ea typeface="微软雅黑" panose="020B0503020204020204" pitchFamily="34" charset="-122"/>
-              </a:rPr>
-              <a:t>Worksheets("Sheet1").Activate </a:t>
-            </a:r>
-          </a:p>
-        </p:txBody>
-      </p:sp>
-    </p:spTree>
-    <p:extLst>
-      <p:ext uri="{BB962C8B-B14F-4D97-AF65-F5344CB8AC3E}">
-        <p14:creationId xmlns:p14="http://schemas.microsoft.com/office/powerpoint/2010/main" val="448498729"/>
       </p:ext>
     </p:extLst>
   </p:cSld>
@@ -29922,6 +30239,111 @@
       </p:grpSpPr>
       <p:sp>
         <p:nvSpPr>
+          <p:cNvPr id="14339" name="Rectangle 2"/>
+          <p:cNvSpPr>
+            <a:spLocks noGrp="1" noChangeArrowheads="1"/>
+          </p:cNvSpPr>
+          <p:nvPr>
+            <p:ph type="title" idx="4294967295"/>
+          </p:nvPr>
+        </p:nvSpPr>
+        <p:spPr>
+          <a:xfrm>
+            <a:off x="1701578" y="1985176"/>
+            <a:ext cx="6003235" cy="684213"/>
+          </a:xfrm>
+        </p:spPr>
+        <p:txBody>
+          <a:bodyPr/>
+          <a:lstStyle/>
+          <a:p>
+            <a:pPr eaLnBrk="1" hangingPunct="1"/>
+            <a:r>
+              <a:rPr lang="zh-CN" altLang="en-US" dirty="0"/>
+              <a:t>引用</a:t>
+            </a:r>
+            <a:r>
+              <a:rPr lang="en-US" altLang="zh-CN" dirty="0"/>
+              <a:t>Worksheets</a:t>
+            </a:r>
+          </a:p>
+        </p:txBody>
+      </p:sp>
+      <p:sp>
+        <p:nvSpPr>
+          <p:cNvPr id="14340" name="Rectangle 3"/>
+          <p:cNvSpPr>
+            <a:spLocks noGrp="1" noChangeArrowheads="1"/>
+          </p:cNvSpPr>
+          <p:nvPr>
+            <p:ph type="body" idx="4294967295"/>
+          </p:nvPr>
+        </p:nvSpPr>
+        <p:spPr>
+          <a:xfrm>
+            <a:off x="2178658" y="3400660"/>
+            <a:ext cx="6297613" cy="1306512"/>
+          </a:xfrm>
+        </p:spPr>
+        <p:txBody>
+          <a:bodyPr>
+            <a:noAutofit/>
+          </a:bodyPr>
+          <a:lstStyle/>
+          <a:p>
+            <a:pPr eaLnBrk="1" hangingPunct="1"/>
+            <a:r>
+              <a:rPr lang="en-US" altLang="zh-CN" sz="2800" dirty="0">
+                <a:latin typeface="微软雅黑" panose="020B0503020204020204" pitchFamily="34" charset="-122"/>
+                <a:ea typeface="微软雅黑" panose="020B0503020204020204" pitchFamily="34" charset="-122"/>
+              </a:rPr>
+              <a:t>Worksheets(1).Activate </a:t>
+            </a:r>
+          </a:p>
+          <a:p>
+            <a:pPr eaLnBrk="1" hangingPunct="1"/>
+            <a:r>
+              <a:rPr lang="en-US" altLang="zh-CN" sz="2800" dirty="0">
+                <a:latin typeface="微软雅黑" panose="020B0503020204020204" pitchFamily="34" charset="-122"/>
+                <a:ea typeface="微软雅黑" panose="020B0503020204020204" pitchFamily="34" charset="-122"/>
+              </a:rPr>
+              <a:t>Worksheets("Sheet1").Activate </a:t>
+            </a:r>
+          </a:p>
+        </p:txBody>
+      </p:sp>
+    </p:spTree>
+    <p:extLst>
+      <p:ext uri="{BB962C8B-B14F-4D97-AF65-F5344CB8AC3E}">
+        <p14:creationId xmlns:p14="http://schemas.microsoft.com/office/powerpoint/2010/main" val="448498729"/>
+      </p:ext>
+    </p:extLst>
+  </p:cSld>
+  <p:clrMapOvr>
+    <a:masterClrMapping/>
+  </p:clrMapOvr>
+</p:sld>
+</file>
+
+<file path=ppt/slides/slide71.xml><?xml version="1.0" encoding="utf-8"?>
+<p:sld xmlns:a="http://schemas.openxmlformats.org/drawingml/2006/main" xmlns:r="http://schemas.openxmlformats.org/officeDocument/2006/relationships" xmlns:p="http://schemas.openxmlformats.org/presentationml/2006/main">
+  <p:cSld>
+    <p:spTree>
+      <p:nvGrpSpPr>
+        <p:cNvPr id="1" name=""/>
+        <p:cNvGrpSpPr/>
+        <p:nvPr/>
+      </p:nvGrpSpPr>
+      <p:grpSpPr>
+        <a:xfrm>
+          <a:off x="0" y="0"/>
+          <a:ext cx="0" cy="0"/>
+          <a:chOff x="0" y="0"/>
+          <a:chExt cx="0" cy="0"/>
+        </a:xfrm>
+      </p:grpSpPr>
+      <p:sp>
+        <p:nvSpPr>
           <p:cNvPr id="15363" name="Rectangle 2"/>
           <p:cNvSpPr>
             <a:spLocks noGrp="1" noChangeArrowheads="1"/>
@@ -30005,7 +30427,7 @@
 </p:sld>
 </file>
 
-<file path=ppt/slides/slide71.xml><?xml version="1.0" encoding="utf-8"?>
+<file path=ppt/slides/slide72.xml><?xml version="1.0" encoding="utf-8"?>
 <p:sld xmlns:a="http://schemas.openxmlformats.org/drawingml/2006/main" xmlns:r="http://schemas.openxmlformats.org/officeDocument/2006/relationships" xmlns:p="http://schemas.openxmlformats.org/presentationml/2006/main">
   <p:cSld>
     <p:spTree>
@@ -30365,7 +30787,7 @@
 </p:sld>
 </file>
 
-<file path=ppt/slides/slide72.xml><?xml version="1.0" encoding="utf-8"?>
+<file path=ppt/slides/slide73.xml><?xml version="1.0" encoding="utf-8"?>
 <p:sld xmlns:a="http://schemas.openxmlformats.org/drawingml/2006/main" xmlns:r="http://schemas.openxmlformats.org/officeDocument/2006/relationships" xmlns:p="http://schemas.openxmlformats.org/presentationml/2006/main">
   <p:cSld>
     <p:spTree>
@@ -30456,7 +30878,7 @@
 </p:sld>
 </file>
 
-<file path=ppt/slides/slide73.xml><?xml version="1.0" encoding="utf-8"?>
+<file path=ppt/slides/slide74.xml><?xml version="1.0" encoding="utf-8"?>
 <p:sld xmlns:a="http://schemas.openxmlformats.org/drawingml/2006/main" xmlns:r="http://schemas.openxmlformats.org/officeDocument/2006/relationships" xmlns:p="http://schemas.openxmlformats.org/presentationml/2006/main">
   <p:cSld>
     <p:spTree>
@@ -30901,7 +31323,7 @@
 </p:sld>
 </file>
 
-<file path=ppt/slides/slide74.xml><?xml version="1.0" encoding="utf-8"?>
+<file path=ppt/slides/slide75.xml><?xml version="1.0" encoding="utf-8"?>
 <p:sld xmlns:a="http://schemas.openxmlformats.org/drawingml/2006/main" xmlns:r="http://schemas.openxmlformats.org/officeDocument/2006/relationships" xmlns:p="http://schemas.openxmlformats.org/presentationml/2006/main">
   <p:cSld>
     <p:spTree>
@@ -31541,7 +31963,7 @@
 </p:sld>
 </file>
 
-<file path=ppt/slides/slide75.xml><?xml version="1.0" encoding="utf-8"?>
+<file path=ppt/slides/slide76.xml><?xml version="1.0" encoding="utf-8"?>
 <p:sld xmlns:a="http://schemas.openxmlformats.org/drawingml/2006/main" xmlns:r="http://schemas.openxmlformats.org/officeDocument/2006/relationships" xmlns:p="http://schemas.openxmlformats.org/presentationml/2006/main">
   <p:cSld>
     <p:spTree>
@@ -31637,7 +32059,7 @@
 </p:sld>
 </file>
 
-<file path=ppt/slides/slide76.xml><?xml version="1.0" encoding="utf-8"?>
+<file path=ppt/slides/slide77.xml><?xml version="1.0" encoding="utf-8"?>
 <p:sld xmlns:a="http://schemas.openxmlformats.org/drawingml/2006/main" xmlns:r="http://schemas.openxmlformats.org/officeDocument/2006/relationships" xmlns:p="http://schemas.openxmlformats.org/presentationml/2006/main">
   <p:cSld>
     <p:spTree>
@@ -31837,7 +32259,7 @@
 </p:sld>
 </file>
 
-<file path=ppt/slides/slide77.xml><?xml version="1.0" encoding="utf-8"?>
+<file path=ppt/slides/slide78.xml><?xml version="1.0" encoding="utf-8"?>
 <p:sld xmlns:a="http://schemas.openxmlformats.org/drawingml/2006/main" xmlns:r="http://schemas.openxmlformats.org/officeDocument/2006/relationships" xmlns:p="http://schemas.openxmlformats.org/presentationml/2006/main">
   <p:cSld>
     <p:spTree>
@@ -32000,7 +32422,7 @@
 </p:sld>
 </file>
 
-<file path=ppt/slides/slide78.xml><?xml version="1.0" encoding="utf-8"?>
+<file path=ppt/slides/slide79.xml><?xml version="1.0" encoding="utf-8"?>
 <p:sld xmlns:a="http://schemas.openxmlformats.org/drawingml/2006/main" xmlns:r="http://schemas.openxmlformats.org/officeDocument/2006/relationships" xmlns:p="http://schemas.openxmlformats.org/presentationml/2006/main">
   <p:cSld>
     <p:spTree>
@@ -32090,7 +32512,168 @@
 </p:sld>
 </file>
 
-<file path=ppt/slides/slide79.xml><?xml version="1.0" encoding="utf-8"?>
+<file path=ppt/slides/slide8.xml><?xml version="1.0" encoding="utf-8"?>
+<p:sld xmlns:a="http://schemas.openxmlformats.org/drawingml/2006/main" xmlns:r="http://schemas.openxmlformats.org/officeDocument/2006/relationships" xmlns:p="http://schemas.openxmlformats.org/presentationml/2006/main">
+  <p:cSld>
+    <p:spTree>
+      <p:nvGrpSpPr>
+        <p:cNvPr id="1" name=""/>
+        <p:cNvGrpSpPr/>
+        <p:nvPr/>
+      </p:nvGrpSpPr>
+      <p:grpSpPr>
+        <a:xfrm>
+          <a:off x="0" y="0"/>
+          <a:ext cx="0" cy="0"/>
+          <a:chOff x="0" y="0"/>
+          <a:chExt cx="0" cy="0"/>
+        </a:xfrm>
+      </p:grpSpPr>
+      <p:sp>
+        <p:nvSpPr>
+          <p:cNvPr id="7171" name="Rectangle 2"/>
+          <p:cNvSpPr>
+            <a:spLocks noGrp="1" noChangeArrowheads="1"/>
+          </p:cNvSpPr>
+          <p:nvPr>
+            <p:ph type="title" idx="4294967295"/>
+          </p:nvPr>
+        </p:nvSpPr>
+        <p:spPr>
+          <a:xfrm>
+            <a:off x="3029447" y="1239939"/>
+            <a:ext cx="5677231" cy="720725"/>
+          </a:xfrm>
+        </p:spPr>
+        <p:txBody>
+          <a:bodyPr/>
+          <a:lstStyle/>
+          <a:p>
+            <a:pPr eaLnBrk="1" hangingPunct="1"/>
+            <a:r>
+              <a:rPr lang="zh-CN" altLang="en-US" dirty="0"/>
+              <a:t>接口是如何实现的？</a:t>
+            </a:r>
+          </a:p>
+        </p:txBody>
+      </p:sp>
+      <p:sp>
+        <p:nvSpPr>
+          <p:cNvPr id="7172" name="Rectangle 3"/>
+          <p:cNvSpPr>
+            <a:spLocks noGrp="1" noChangeArrowheads="1"/>
+          </p:cNvSpPr>
+          <p:nvPr>
+            <p:ph type="body" idx="4294967295"/>
+          </p:nvPr>
+        </p:nvSpPr>
+        <p:spPr>
+          <a:xfrm>
+            <a:off x="771277" y="2670537"/>
+            <a:ext cx="10791825" cy="2546749"/>
+          </a:xfrm>
+        </p:spPr>
+        <p:txBody>
+          <a:bodyPr>
+            <a:noAutofit/>
+          </a:bodyPr>
+          <a:lstStyle/>
+          <a:p>
+            <a:pPr>
+              <a:buFont typeface="Wingdings" panose="05000000000000000000" pitchFamily="2" charset="2"/>
+              <a:buChar char="p"/>
+            </a:pPr>
+            <a:r>
+              <a:rPr lang="zh-CN" altLang="en-US" sz="2400" dirty="0"/>
+              <a:t>  组件可以支持任意数目的接口</a:t>
+            </a:r>
+          </a:p>
+          <a:p>
+            <a:pPr>
+              <a:buFont typeface="Wingdings" panose="05000000000000000000" pitchFamily="2" charset="2"/>
+              <a:buChar char="p"/>
+            </a:pPr>
+            <a:r>
+              <a:rPr lang="zh-CN" altLang="en-US" sz="2400" dirty="0"/>
+              <a:t>  接口应具有不变性，组件升级时不应该修改原来的接口，而是添加新的接口</a:t>
+            </a:r>
+            <a:endParaRPr lang="en-US" altLang="zh-CN" sz="2400" dirty="0"/>
+          </a:p>
+          <a:p>
+            <a:pPr lvl="1"/>
+            <a:r>
+              <a:rPr lang="en-US" altLang="zh-CN" sz="2000" dirty="0"/>
+              <a:t> COM</a:t>
+            </a:r>
+            <a:r>
+              <a:rPr lang="zh-CN" altLang="en-US" sz="2000" dirty="0"/>
+              <a:t>接口在</a:t>
+            </a:r>
+            <a:r>
+              <a:rPr lang="en-US" altLang="zh-CN" sz="2000" dirty="0"/>
+              <a:t>C++</a:t>
+            </a:r>
+            <a:r>
+              <a:rPr lang="zh-CN" altLang="en-US" sz="2000" dirty="0"/>
+              <a:t>中是用纯抽象基类实现</a:t>
+            </a:r>
+          </a:p>
+          <a:p>
+            <a:pPr lvl="1"/>
+            <a:r>
+              <a:rPr lang="zh-CN" altLang="en-US" sz="2000" dirty="0"/>
+              <a:t> 一个</a:t>
+            </a:r>
+            <a:r>
+              <a:rPr lang="en-US" altLang="zh-CN" sz="2000" dirty="0"/>
+              <a:t>COM</a:t>
+            </a:r>
+            <a:r>
+              <a:rPr lang="zh-CN" altLang="en-US" sz="2000" dirty="0"/>
+              <a:t>组件可以支多个接口</a:t>
+            </a:r>
+          </a:p>
+          <a:p>
+            <a:pPr lvl="1"/>
+            <a:r>
+              <a:rPr lang="zh-CN" altLang="en-US" sz="2000" dirty="0"/>
+              <a:t> 一个</a:t>
+            </a:r>
+            <a:r>
+              <a:rPr lang="en-US" altLang="zh-CN" sz="2000" dirty="0"/>
+              <a:t>C++</a:t>
+            </a:r>
+            <a:r>
+              <a:rPr lang="zh-CN" altLang="en-US" sz="2000" dirty="0"/>
+              <a:t>类可以使用</a:t>
+            </a:r>
+            <a:r>
+              <a:rPr lang="zh-CN" altLang="en-US" sz="2000" dirty="0">
+                <a:hlinkClick r:id="rId2"/>
+              </a:rPr>
+              <a:t>多重继承</a:t>
+            </a:r>
+            <a:r>
+              <a:rPr lang="zh-CN" altLang="en-US" sz="2000" dirty="0"/>
+              <a:t>来实现一个支持多个接口的组件</a:t>
+            </a:r>
+          </a:p>
+        </p:txBody>
+      </p:sp>
+    </p:spTree>
+    <p:extLst>
+      <p:ext uri="{BB962C8B-B14F-4D97-AF65-F5344CB8AC3E}">
+        <p14:creationId xmlns:p14="http://schemas.microsoft.com/office/powerpoint/2010/main" val="2644103127"/>
+      </p:ext>
+    </p:extLst>
+  </p:cSld>
+  <p:clrMapOvr>
+    <a:masterClrMapping/>
+  </p:clrMapOvr>
+</p:sld>
+</file>
+
+<file path=ppt/slides/slide80.xml><?xml version="1.0" encoding="utf-8"?>
 <p:sld xmlns:a="http://schemas.openxmlformats.org/drawingml/2006/main" xmlns:r="http://schemas.openxmlformats.org/officeDocument/2006/relationships" xmlns:p="http://schemas.openxmlformats.org/presentationml/2006/main">
   <p:cSld>
     <p:spTree>
@@ -32546,168 +33129,7 @@
 </p:sld>
 </file>
 
-<file path=ppt/slides/slide8.xml><?xml version="1.0" encoding="utf-8"?>
-<p:sld xmlns:a="http://schemas.openxmlformats.org/drawingml/2006/main" xmlns:r="http://schemas.openxmlformats.org/officeDocument/2006/relationships" xmlns:p="http://schemas.openxmlformats.org/presentationml/2006/main">
-  <p:cSld>
-    <p:spTree>
-      <p:nvGrpSpPr>
-        <p:cNvPr id="1" name=""/>
-        <p:cNvGrpSpPr/>
-        <p:nvPr/>
-      </p:nvGrpSpPr>
-      <p:grpSpPr>
-        <a:xfrm>
-          <a:off x="0" y="0"/>
-          <a:ext cx="0" cy="0"/>
-          <a:chOff x="0" y="0"/>
-          <a:chExt cx="0" cy="0"/>
-        </a:xfrm>
-      </p:grpSpPr>
-      <p:sp>
-        <p:nvSpPr>
-          <p:cNvPr id="7171" name="Rectangle 2"/>
-          <p:cNvSpPr>
-            <a:spLocks noGrp="1" noChangeArrowheads="1"/>
-          </p:cNvSpPr>
-          <p:nvPr>
-            <p:ph type="title" idx="4294967295"/>
-          </p:nvPr>
-        </p:nvSpPr>
-        <p:spPr>
-          <a:xfrm>
-            <a:off x="3029447" y="1239939"/>
-            <a:ext cx="5677231" cy="720725"/>
-          </a:xfrm>
-        </p:spPr>
-        <p:txBody>
-          <a:bodyPr/>
-          <a:lstStyle/>
-          <a:p>
-            <a:pPr eaLnBrk="1" hangingPunct="1"/>
-            <a:r>
-              <a:rPr lang="zh-CN" altLang="en-US" dirty="0"/>
-              <a:t>接口是如何实现的？</a:t>
-            </a:r>
-          </a:p>
-        </p:txBody>
-      </p:sp>
-      <p:sp>
-        <p:nvSpPr>
-          <p:cNvPr id="7172" name="Rectangle 3"/>
-          <p:cNvSpPr>
-            <a:spLocks noGrp="1" noChangeArrowheads="1"/>
-          </p:cNvSpPr>
-          <p:nvPr>
-            <p:ph type="body" idx="4294967295"/>
-          </p:nvPr>
-        </p:nvSpPr>
-        <p:spPr>
-          <a:xfrm>
-            <a:off x="771277" y="2670537"/>
-            <a:ext cx="10791825" cy="2546749"/>
-          </a:xfrm>
-        </p:spPr>
-        <p:txBody>
-          <a:bodyPr>
-            <a:noAutofit/>
-          </a:bodyPr>
-          <a:lstStyle/>
-          <a:p>
-            <a:pPr>
-              <a:buFont typeface="Wingdings" panose="05000000000000000000" pitchFamily="2" charset="2"/>
-              <a:buChar char="p"/>
-            </a:pPr>
-            <a:r>
-              <a:rPr lang="zh-CN" altLang="en-US" sz="2400" dirty="0"/>
-              <a:t>  组件可以支持任意数目的接口</a:t>
-            </a:r>
-          </a:p>
-          <a:p>
-            <a:pPr>
-              <a:buFont typeface="Wingdings" panose="05000000000000000000" pitchFamily="2" charset="2"/>
-              <a:buChar char="p"/>
-            </a:pPr>
-            <a:r>
-              <a:rPr lang="zh-CN" altLang="en-US" sz="2400" dirty="0"/>
-              <a:t>  接口应具有不变性，组件升级时不应该修改原来的接口，而是添加新的接口</a:t>
-            </a:r>
-            <a:endParaRPr lang="en-US" altLang="zh-CN" sz="2400" dirty="0"/>
-          </a:p>
-          <a:p>
-            <a:pPr lvl="1"/>
-            <a:r>
-              <a:rPr lang="en-US" altLang="zh-CN" sz="2000" dirty="0"/>
-              <a:t> COM</a:t>
-            </a:r>
-            <a:r>
-              <a:rPr lang="zh-CN" altLang="en-US" sz="2000" dirty="0"/>
-              <a:t>接口在</a:t>
-            </a:r>
-            <a:r>
-              <a:rPr lang="en-US" altLang="zh-CN" sz="2000" dirty="0"/>
-              <a:t>C++</a:t>
-            </a:r>
-            <a:r>
-              <a:rPr lang="zh-CN" altLang="en-US" sz="2000" dirty="0"/>
-              <a:t>中是用纯抽象基类实现</a:t>
-            </a:r>
-          </a:p>
-          <a:p>
-            <a:pPr lvl="1"/>
-            <a:r>
-              <a:rPr lang="zh-CN" altLang="en-US" sz="2000" dirty="0"/>
-              <a:t> 一个</a:t>
-            </a:r>
-            <a:r>
-              <a:rPr lang="en-US" altLang="zh-CN" sz="2000" dirty="0"/>
-              <a:t>COM</a:t>
-            </a:r>
-            <a:r>
-              <a:rPr lang="zh-CN" altLang="en-US" sz="2000" dirty="0"/>
-              <a:t>组件可以支多个接口</a:t>
-            </a:r>
-          </a:p>
-          <a:p>
-            <a:pPr lvl="1"/>
-            <a:r>
-              <a:rPr lang="zh-CN" altLang="en-US" sz="2000" dirty="0"/>
-              <a:t> 一个</a:t>
-            </a:r>
-            <a:r>
-              <a:rPr lang="en-US" altLang="zh-CN" sz="2000" dirty="0"/>
-              <a:t>C++</a:t>
-            </a:r>
-            <a:r>
-              <a:rPr lang="zh-CN" altLang="en-US" sz="2000" dirty="0"/>
-              <a:t>类可以使用</a:t>
-            </a:r>
-            <a:r>
-              <a:rPr lang="zh-CN" altLang="en-US" sz="2000" dirty="0">
-                <a:hlinkClick r:id="rId2"/>
-              </a:rPr>
-              <a:t>多重继承</a:t>
-            </a:r>
-            <a:r>
-              <a:rPr lang="zh-CN" altLang="en-US" sz="2000" dirty="0"/>
-              <a:t>来实现一个支持多个接口的组件</a:t>
-            </a:r>
-          </a:p>
-        </p:txBody>
-      </p:sp>
-    </p:spTree>
-    <p:extLst>
-      <p:ext uri="{BB962C8B-B14F-4D97-AF65-F5344CB8AC3E}">
-        <p14:creationId xmlns:p14="http://schemas.microsoft.com/office/powerpoint/2010/main" val="2644103127"/>
-      </p:ext>
-    </p:extLst>
-  </p:cSld>
-  <p:clrMapOvr>
-    <a:masterClrMapping/>
-  </p:clrMapOvr>
-</p:sld>
-</file>
-
-<file path=ppt/slides/slide80.xml><?xml version="1.0" encoding="utf-8"?>
+<file path=ppt/slides/slide81.xml><?xml version="1.0" encoding="utf-8"?>
 <p:sld xmlns:a="http://schemas.openxmlformats.org/drawingml/2006/main" xmlns:r="http://schemas.openxmlformats.org/officeDocument/2006/relationships" xmlns:p="http://schemas.openxmlformats.org/presentationml/2006/main">
   <p:cSld>
     <p:spTree>
